--- a/課題　フローチャート.pptx
+++ b/課題　フローチャート.pptx
@@ -11,6 +11,9 @@
     <p:sldId id="259" r:id="rId5"/>
     <p:sldId id="260" r:id="rId6"/>
     <p:sldId id="261" r:id="rId7"/>
+    <p:sldId id="262" r:id="rId8"/>
+    <p:sldId id="263" r:id="rId9"/>
+    <p:sldId id="264" r:id="rId10"/>
   </p:sldIdLst>
   <p:sldSz cx="12192000" cy="6858000"/>
   <p:notesSz cx="6858000" cy="9144000"/>
@@ -259,7 +262,7 @@
           <a:p>
             <a:fld id="{E95FEACF-5C08-4ED4-A787-147947B448EC}" type="datetimeFigureOut">
               <a:rPr kumimoji="1" lang="ja-JP" altLang="en-US" smtClean="0"/>
-              <a:t>2015/12/4</a:t>
+              <a:t>2015/12/7</a:t>
             </a:fld>
             <a:endParaRPr kumimoji="1" lang="ja-JP" altLang="en-US"/>
           </a:p>
@@ -461,7 +464,7 @@
           <a:p>
             <a:fld id="{E95FEACF-5C08-4ED4-A787-147947B448EC}" type="datetimeFigureOut">
               <a:rPr kumimoji="1" lang="ja-JP" altLang="en-US" smtClean="0"/>
-              <a:t>2015/12/4</a:t>
+              <a:t>2015/12/7</a:t>
             </a:fld>
             <a:endParaRPr kumimoji="1" lang="ja-JP" altLang="en-US"/>
           </a:p>
@@ -673,7 +676,7 @@
           <a:p>
             <a:fld id="{E95FEACF-5C08-4ED4-A787-147947B448EC}" type="datetimeFigureOut">
               <a:rPr kumimoji="1" lang="ja-JP" altLang="en-US" smtClean="0"/>
-              <a:t>2015/12/4</a:t>
+              <a:t>2015/12/7</a:t>
             </a:fld>
             <a:endParaRPr kumimoji="1" lang="ja-JP" altLang="en-US"/>
           </a:p>
@@ -875,7 +878,7 @@
           <a:p>
             <a:fld id="{E95FEACF-5C08-4ED4-A787-147947B448EC}" type="datetimeFigureOut">
               <a:rPr kumimoji="1" lang="ja-JP" altLang="en-US" smtClean="0"/>
-              <a:t>2015/12/4</a:t>
+              <a:t>2015/12/7</a:t>
             </a:fld>
             <a:endParaRPr kumimoji="1" lang="ja-JP" altLang="en-US"/>
           </a:p>
@@ -1121,7 +1124,7 @@
           <a:p>
             <a:fld id="{E95FEACF-5C08-4ED4-A787-147947B448EC}" type="datetimeFigureOut">
               <a:rPr kumimoji="1" lang="ja-JP" altLang="en-US" smtClean="0"/>
-              <a:t>2015/12/4</a:t>
+              <a:t>2015/12/7</a:t>
             </a:fld>
             <a:endParaRPr kumimoji="1" lang="ja-JP" altLang="en-US"/>
           </a:p>
@@ -1417,7 +1420,7 @@
           <a:p>
             <a:fld id="{E95FEACF-5C08-4ED4-A787-147947B448EC}" type="datetimeFigureOut">
               <a:rPr kumimoji="1" lang="ja-JP" altLang="en-US" smtClean="0"/>
-              <a:t>2015/12/4</a:t>
+              <a:t>2015/12/7</a:t>
             </a:fld>
             <a:endParaRPr kumimoji="1" lang="ja-JP" altLang="en-US"/>
           </a:p>
@@ -1848,7 +1851,7 @@
           <a:p>
             <a:fld id="{E95FEACF-5C08-4ED4-A787-147947B448EC}" type="datetimeFigureOut">
               <a:rPr kumimoji="1" lang="ja-JP" altLang="en-US" smtClean="0"/>
-              <a:t>2015/12/4</a:t>
+              <a:t>2015/12/7</a:t>
             </a:fld>
             <a:endParaRPr kumimoji="1" lang="ja-JP" altLang="en-US"/>
           </a:p>
@@ -1966,7 +1969,7 @@
           <a:p>
             <a:fld id="{E95FEACF-5C08-4ED4-A787-147947B448EC}" type="datetimeFigureOut">
               <a:rPr kumimoji="1" lang="ja-JP" altLang="en-US" smtClean="0"/>
-              <a:t>2015/12/4</a:t>
+              <a:t>2015/12/7</a:t>
             </a:fld>
             <a:endParaRPr kumimoji="1" lang="ja-JP" altLang="en-US"/>
           </a:p>
@@ -2061,7 +2064,7 @@
           <a:p>
             <a:fld id="{E95FEACF-5C08-4ED4-A787-147947B448EC}" type="datetimeFigureOut">
               <a:rPr kumimoji="1" lang="ja-JP" altLang="en-US" smtClean="0"/>
-              <a:t>2015/12/4</a:t>
+              <a:t>2015/12/7</a:t>
             </a:fld>
             <a:endParaRPr kumimoji="1" lang="ja-JP" altLang="en-US"/>
           </a:p>
@@ -2370,7 +2373,7 @@
           <a:p>
             <a:fld id="{E95FEACF-5C08-4ED4-A787-147947B448EC}" type="datetimeFigureOut">
               <a:rPr kumimoji="1" lang="ja-JP" altLang="en-US" smtClean="0"/>
-              <a:t>2015/12/4</a:t>
+              <a:t>2015/12/7</a:t>
             </a:fld>
             <a:endParaRPr kumimoji="1" lang="ja-JP" altLang="en-US"/>
           </a:p>
@@ -2623,7 +2626,7 @@
           <a:p>
             <a:fld id="{E95FEACF-5C08-4ED4-A787-147947B448EC}" type="datetimeFigureOut">
               <a:rPr kumimoji="1" lang="ja-JP" altLang="en-US" smtClean="0"/>
-              <a:t>2015/12/4</a:t>
+              <a:t>2015/12/7</a:t>
             </a:fld>
             <a:endParaRPr kumimoji="1" lang="ja-JP" altLang="en-US"/>
           </a:p>
@@ -2868,7 +2871,7 @@
           <a:p>
             <a:fld id="{E95FEACF-5C08-4ED4-A787-147947B448EC}" type="datetimeFigureOut">
               <a:rPr kumimoji="1" lang="ja-JP" altLang="en-US" smtClean="0"/>
-              <a:t>2015/12/4</a:t>
+              <a:t>2015/12/7</a:t>
             </a:fld>
             <a:endParaRPr kumimoji="1" lang="ja-JP" altLang="en-US"/>
           </a:p>
@@ -3983,8 +3986,8 @@
         </p:nvSpPr>
         <p:spPr>
           <a:xfrm>
-            <a:off x="6232710" y="1774077"/>
-            <a:ext cx="2779060" cy="847167"/>
+            <a:off x="5800802" y="1820514"/>
+            <a:ext cx="3190690" cy="729797"/>
           </a:xfrm>
           <a:prstGeom prst="flowChartInputOutput">
             <a:avLst/>
@@ -4065,7 +4068,7 @@
                 <a:latin typeface="Meiryo UI" panose="020B0604030504040204" pitchFamily="50" charset="-128"/>
                 <a:ea typeface="Meiryo UI" panose="020B0604030504040204" pitchFamily="50" charset="-128"/>
               </a:rPr>
-              <a:t>する）</a:t>
+              <a:t>とする）</a:t>
             </a:r>
             <a:endParaRPr kumimoji="1" lang="ja-JP" altLang="en-US" dirty="0">
               <a:solidFill>
@@ -5748,7 +5751,7 @@
         </p:nvSpPr>
         <p:spPr>
           <a:xfrm>
-            <a:off x="5434617" y="63399"/>
+            <a:off x="2274559" y="129518"/>
             <a:ext cx="1322765" cy="408365"/>
           </a:xfrm>
           <a:prstGeom prst="flowChartTerminator">
@@ -5810,7 +5813,7 @@
         </p:nvSpPr>
         <p:spPr>
           <a:xfrm>
-            <a:off x="6021530" y="541542"/>
+            <a:off x="2834144" y="585761"/>
             <a:ext cx="242044" cy="367475"/>
           </a:xfrm>
           <a:prstGeom prst="downArrow">
@@ -6482,6 +6485,58 @@
           <a:p>
             <a:pPr algn="ctr"/>
             <a:endParaRPr kumimoji="1" lang="ja-JP" altLang="en-US">
+              <a:latin typeface="Meiryo UI" panose="020B0604030504040204" pitchFamily="50" charset="-128"/>
+              <a:ea typeface="Meiryo UI" panose="020B0604030504040204" pitchFamily="50" charset="-128"/>
+            </a:endParaRPr>
+          </a:p>
+        </p:txBody>
+      </p:sp>
+      <p:sp>
+        <p:nvSpPr>
+          <p:cNvPr id="17" name="フローチャート: 処理 16"/>
+          <p:cNvSpPr/>
+          <p:nvPr/>
+        </p:nvSpPr>
+        <p:spPr>
+          <a:xfrm>
+            <a:off x="1959187" y="1010478"/>
+            <a:ext cx="1991958" cy="599854"/>
+          </a:xfrm>
+          <a:prstGeom prst="flowChartProcess">
+            <a:avLst/>
+          </a:prstGeom>
+          <a:noFill/>
+          <a:ln w="28575">
+            <a:solidFill>
+              <a:schemeClr val="tx1"/>
+            </a:solidFill>
+          </a:ln>
+        </p:spPr>
+        <p:style>
+          <a:lnRef idx="2">
+            <a:schemeClr val="accent1">
+              <a:shade val="50000"/>
+            </a:schemeClr>
+          </a:lnRef>
+          <a:fillRef idx="1">
+            <a:schemeClr val="accent1"/>
+          </a:fillRef>
+          <a:effectRef idx="0">
+            <a:schemeClr val="accent1"/>
+          </a:effectRef>
+          <a:fontRef idx="minor">
+            <a:schemeClr val="lt1"/>
+          </a:fontRef>
+        </p:style>
+        <p:txBody>
+          <a:bodyPr rtlCol="0" anchor="ctr"/>
+          <a:lstStyle/>
+          <a:p>
+            <a:pPr algn="ctr"/>
+            <a:endParaRPr lang="en-US" altLang="ja-JP" dirty="0" smtClean="0">
+              <a:solidFill>
+                <a:schemeClr val="tx1"/>
+              </a:solidFill>
               <a:latin typeface="Meiryo UI" panose="020B0604030504040204" pitchFamily="50" charset="-128"/>
               <a:ea typeface="Meiryo UI" panose="020B0604030504040204" pitchFamily="50" charset="-128"/>
             </a:endParaRPr>
@@ -6604,7 +6659,7 @@
                 <a:latin typeface="Meiryo UI" panose="020B0604030504040204" pitchFamily="50" charset="-128"/>
                 <a:ea typeface="Meiryo UI" panose="020B0604030504040204" pitchFamily="50" charset="-128"/>
               </a:rPr>
-              <a:t>Start</a:t>
+              <a:t>start</a:t>
             </a:r>
             <a:endParaRPr kumimoji="1" lang="ja-JP" altLang="en-US" sz="3200" dirty="0">
               <a:solidFill>
@@ -6789,78 +6844,6 @@
       </p:sp>
       <p:sp>
         <p:nvSpPr>
-          <p:cNvPr id="35" name="フローチャート: 判断 34"/>
-          <p:cNvSpPr/>
-          <p:nvPr/>
-        </p:nvSpPr>
-        <p:spPr>
-          <a:xfrm>
-            <a:off x="8117227" y="-1433545"/>
-            <a:ext cx="3146612" cy="703729"/>
-          </a:xfrm>
-          <a:prstGeom prst="flowChartDecision">
-            <a:avLst/>
-          </a:prstGeom>
-          <a:noFill/>
-          <a:ln w="28575">
-            <a:solidFill>
-              <a:schemeClr val="tx1"/>
-            </a:solidFill>
-          </a:ln>
-        </p:spPr>
-        <p:style>
-          <a:lnRef idx="2">
-            <a:schemeClr val="accent1">
-              <a:shade val="50000"/>
-            </a:schemeClr>
-          </a:lnRef>
-          <a:fillRef idx="1">
-            <a:schemeClr val="accent1"/>
-          </a:fillRef>
-          <a:effectRef idx="0">
-            <a:schemeClr val="accent1"/>
-          </a:effectRef>
-          <a:fontRef idx="minor">
-            <a:schemeClr val="lt1"/>
-          </a:fontRef>
-        </p:style>
-        <p:txBody>
-          <a:bodyPr rtlCol="0" anchor="ctr"/>
-          <a:lstStyle/>
-          <a:p>
-            <a:pPr algn="ctr"/>
-            <a:r>
-              <a:rPr kumimoji="1" lang="en-US" altLang="ja-JP" dirty="0" smtClean="0">
-                <a:solidFill>
-                  <a:schemeClr val="tx1"/>
-                </a:solidFill>
-                <a:latin typeface="Meiryo UI" panose="020B0604030504040204" pitchFamily="50" charset="-128"/>
-                <a:ea typeface="Meiryo UI" panose="020B0604030504040204" pitchFamily="50" charset="-128"/>
-              </a:rPr>
-              <a:t>X</a:t>
-            </a:r>
-            <a:r>
-              <a:rPr kumimoji="1" lang="ja-JP" altLang="en-US" dirty="0" smtClean="0">
-                <a:solidFill>
-                  <a:schemeClr val="tx1"/>
-                </a:solidFill>
-                <a:latin typeface="Meiryo UI" panose="020B0604030504040204" pitchFamily="50" charset="-128"/>
-                <a:ea typeface="Meiryo UI" panose="020B0604030504040204" pitchFamily="50" charset="-128"/>
-              </a:rPr>
-              <a:t>が偶数</a:t>
-            </a:r>
-            <a:endParaRPr kumimoji="1" lang="ja-JP" altLang="en-US" dirty="0">
-              <a:solidFill>
-                <a:schemeClr val="tx1"/>
-              </a:solidFill>
-              <a:latin typeface="Meiryo UI" panose="020B0604030504040204" pitchFamily="50" charset="-128"/>
-              <a:ea typeface="Meiryo UI" panose="020B0604030504040204" pitchFamily="50" charset="-128"/>
-            </a:endParaRPr>
-          </a:p>
-        </p:txBody>
-      </p:sp>
-      <p:sp>
-        <p:nvSpPr>
           <p:cNvPr id="38" name="フローチャート: 端子 37"/>
           <p:cNvSpPr/>
           <p:nvPr/>
@@ -6915,107 +6898,6 @@
               <a:solidFill>
                 <a:schemeClr val="tx1"/>
               </a:solidFill>
-              <a:latin typeface="Meiryo UI" panose="020B0604030504040204" pitchFamily="50" charset="-128"/>
-              <a:ea typeface="Meiryo UI" panose="020B0604030504040204" pitchFamily="50" charset="-128"/>
-            </a:endParaRPr>
-          </a:p>
-        </p:txBody>
-      </p:sp>
-      <p:sp>
-        <p:nvSpPr>
-          <p:cNvPr id="24" name="フローチャート: データ 23"/>
-          <p:cNvSpPr/>
-          <p:nvPr/>
-        </p:nvSpPr>
-        <p:spPr>
-          <a:xfrm>
-            <a:off x="2705027" y="-1017368"/>
-            <a:ext cx="4346808" cy="868429"/>
-          </a:xfrm>
-          <a:prstGeom prst="flowChartInputOutput">
-            <a:avLst/>
-          </a:prstGeom>
-          <a:noFill/>
-          <a:ln w="28575">
-            <a:solidFill>
-              <a:schemeClr val="tx1"/>
-            </a:solidFill>
-          </a:ln>
-        </p:spPr>
-        <p:style>
-          <a:lnRef idx="2">
-            <a:schemeClr val="accent1">
-              <a:shade val="50000"/>
-            </a:schemeClr>
-          </a:lnRef>
-          <a:fillRef idx="1">
-            <a:schemeClr val="accent1"/>
-          </a:fillRef>
-          <a:effectRef idx="0">
-            <a:schemeClr val="accent1"/>
-          </a:effectRef>
-          <a:fontRef idx="minor">
-            <a:schemeClr val="lt1"/>
-          </a:fontRef>
-        </p:style>
-        <p:txBody>
-          <a:bodyPr rtlCol="0" anchor="ctr"/>
-          <a:lstStyle/>
-          <a:p>
-            <a:pPr algn="ctr"/>
-            <a:endParaRPr lang="en-US" altLang="ja-JP" dirty="0" smtClean="0">
-              <a:solidFill>
-                <a:schemeClr val="tx1"/>
-              </a:solidFill>
-              <a:latin typeface="Meiryo UI" panose="020B0604030504040204" pitchFamily="50" charset="-128"/>
-              <a:ea typeface="Meiryo UI" panose="020B0604030504040204" pitchFamily="50" charset="-128"/>
-            </a:endParaRPr>
-          </a:p>
-        </p:txBody>
-      </p:sp>
-      <p:sp>
-        <p:nvSpPr>
-          <p:cNvPr id="37" name="下矢印 36"/>
-          <p:cNvSpPr/>
-          <p:nvPr/>
-        </p:nvSpPr>
-        <p:spPr>
-          <a:xfrm>
-            <a:off x="8117227" y="-766892"/>
-            <a:ext cx="242044" cy="367475"/>
-          </a:xfrm>
-          <a:prstGeom prst="downArrow">
-            <a:avLst/>
-          </a:prstGeom>
-          <a:noFill/>
-          <a:ln w="28575">
-            <a:solidFill>
-              <a:schemeClr val="tx1"/>
-            </a:solidFill>
-          </a:ln>
-        </p:spPr>
-        <p:style>
-          <a:lnRef idx="2">
-            <a:schemeClr val="accent1">
-              <a:shade val="50000"/>
-            </a:schemeClr>
-          </a:lnRef>
-          <a:fillRef idx="1">
-            <a:schemeClr val="accent1"/>
-          </a:fillRef>
-          <a:effectRef idx="0">
-            <a:schemeClr val="accent1"/>
-          </a:effectRef>
-          <a:fontRef idx="minor">
-            <a:schemeClr val="lt1"/>
-          </a:fontRef>
-        </p:style>
-        <p:txBody>
-          <a:bodyPr rtlCol="0" anchor="ctr"/>
-          <a:lstStyle/>
-          <a:p>
-            <a:pPr algn="ctr"/>
-            <a:endParaRPr kumimoji="1" lang="ja-JP" altLang="en-US">
               <a:latin typeface="Meiryo UI" panose="020B0604030504040204" pitchFamily="50" charset="-128"/>
               <a:ea typeface="Meiryo UI" panose="020B0604030504040204" pitchFamily="50" charset="-128"/>
             </a:endParaRPr>
@@ -7529,7 +7411,7 @@
                 <a:latin typeface="Meiryo UI" panose="020B0604030504040204" pitchFamily="50" charset="-128"/>
                 <a:ea typeface="Meiryo UI" panose="020B0604030504040204" pitchFamily="50" charset="-128"/>
               </a:rPr>
-              <a:t>Start</a:t>
+              <a:t>start</a:t>
             </a:r>
             <a:endParaRPr kumimoji="1" lang="ja-JP" altLang="en-US" sz="3200" dirty="0">
               <a:solidFill>
@@ -8218,6 +8100,16 @@
           <a:p>
             <a:pPr algn="ctr"/>
             <a:r>
+              <a:rPr lang="en-US" altLang="ja-JP" sz="3200" dirty="0">
+                <a:solidFill>
+                  <a:schemeClr val="tx1"/>
+                </a:solidFill>
+                <a:latin typeface="Meiryo UI" panose="020B0604030504040204" pitchFamily="50" charset="-128"/>
+                <a:ea typeface="Meiryo UI" panose="020B0604030504040204" pitchFamily="50" charset="-128"/>
+              </a:rPr>
+              <a:t>s</a:t>
+            </a:r>
+            <a:r>
               <a:rPr kumimoji="1" lang="en-US" altLang="ja-JP" sz="3200" dirty="0" smtClean="0">
                 <a:solidFill>
                   <a:schemeClr val="tx1"/>
@@ -8225,7 +8117,7 @@
                 <a:latin typeface="Meiryo UI" panose="020B0604030504040204" pitchFamily="50" charset="-128"/>
                 <a:ea typeface="Meiryo UI" panose="020B0604030504040204" pitchFamily="50" charset="-128"/>
               </a:rPr>
-              <a:t>Start</a:t>
+              <a:t>tart</a:t>
             </a:r>
             <a:endParaRPr kumimoji="1" lang="ja-JP" altLang="en-US" sz="3200" dirty="0">
               <a:solidFill>
@@ -9440,6 +9332,3590 @@
     <p:extLst>
       <p:ext uri="{BB962C8B-B14F-4D97-AF65-F5344CB8AC3E}">
         <p14:creationId xmlns:p14="http://schemas.microsoft.com/office/powerpoint/2010/main" val="3265400746"/>
+      </p:ext>
+    </p:extLst>
+  </p:cSld>
+  <p:clrMapOvr>
+    <a:masterClrMapping/>
+  </p:clrMapOvr>
+</p:sld>
+</file>
+
+<file path=ppt/slides/slide7.xml><?xml version="1.0" encoding="utf-8"?>
+<p:sld xmlns:a="http://schemas.openxmlformats.org/drawingml/2006/main" xmlns:r="http://schemas.openxmlformats.org/officeDocument/2006/relationships" xmlns:p="http://schemas.openxmlformats.org/presentationml/2006/main">
+  <p:cSld>
+    <p:spTree>
+      <p:nvGrpSpPr>
+        <p:cNvPr id="1" name=""/>
+        <p:cNvGrpSpPr/>
+        <p:nvPr/>
+      </p:nvGrpSpPr>
+      <p:grpSpPr>
+        <a:xfrm>
+          <a:off x="0" y="0"/>
+          <a:ext cx="0" cy="0"/>
+          <a:chOff x="0" y="0"/>
+          <a:chExt cx="0" cy="0"/>
+        </a:xfrm>
+      </p:grpSpPr>
+      <p:sp>
+        <p:nvSpPr>
+          <p:cNvPr id="2" name="タイトル 1"/>
+          <p:cNvSpPr>
+            <a:spLocks noGrp="1"/>
+          </p:cNvSpPr>
+          <p:nvPr>
+            <p:ph type="ctrTitle"/>
+          </p:nvPr>
+        </p:nvSpPr>
+        <p:spPr>
+          <a:xfrm>
+            <a:off x="0" y="0"/>
+            <a:ext cx="1707776" cy="537883"/>
+          </a:xfrm>
+        </p:spPr>
+        <p:txBody>
+          <a:bodyPr>
+            <a:normAutofit/>
+          </a:bodyPr>
+          <a:lstStyle/>
+          <a:p>
+            <a:r>
+              <a:rPr lang="ja-JP" altLang="en-US" sz="2800" dirty="0" smtClean="0">
+                <a:latin typeface="Meiryo UI" panose="020B0604030504040204" pitchFamily="50" charset="-128"/>
+                <a:ea typeface="Meiryo UI" panose="020B0604030504040204" pitchFamily="50" charset="-128"/>
+              </a:rPr>
+              <a:t>課題９</a:t>
+            </a:r>
+            <a:endParaRPr kumimoji="1" lang="ja-JP" altLang="en-US" sz="2800" dirty="0">
+              <a:latin typeface="Meiryo UI" panose="020B0604030504040204" pitchFamily="50" charset="-128"/>
+              <a:ea typeface="Meiryo UI" panose="020B0604030504040204" pitchFamily="50" charset="-128"/>
+            </a:endParaRPr>
+          </a:p>
+        </p:txBody>
+      </p:sp>
+      <p:sp>
+        <p:nvSpPr>
+          <p:cNvPr id="3" name="フローチャート: 端子 2"/>
+          <p:cNvSpPr/>
+          <p:nvPr/>
+        </p:nvSpPr>
+        <p:spPr>
+          <a:xfrm>
+            <a:off x="2252825" y="255483"/>
+            <a:ext cx="1322765" cy="408365"/>
+          </a:xfrm>
+          <a:prstGeom prst="flowChartTerminator">
+            <a:avLst/>
+          </a:prstGeom>
+          <a:noFill/>
+          <a:ln w="28575">
+            <a:solidFill>
+              <a:schemeClr val="tx1"/>
+            </a:solidFill>
+          </a:ln>
+        </p:spPr>
+        <p:style>
+          <a:lnRef idx="2">
+            <a:schemeClr val="accent1">
+              <a:shade val="50000"/>
+            </a:schemeClr>
+          </a:lnRef>
+          <a:fillRef idx="1">
+            <a:schemeClr val="accent1"/>
+          </a:fillRef>
+          <a:effectRef idx="0">
+            <a:schemeClr val="accent1"/>
+          </a:effectRef>
+          <a:fontRef idx="minor">
+            <a:schemeClr val="lt1"/>
+          </a:fontRef>
+        </p:style>
+        <p:txBody>
+          <a:bodyPr rtlCol="0" anchor="ctr"/>
+          <a:lstStyle/>
+          <a:p>
+            <a:pPr algn="ctr"/>
+            <a:r>
+              <a:rPr lang="en-US" altLang="ja-JP" sz="3200" dirty="0">
+                <a:solidFill>
+                  <a:schemeClr val="tx1"/>
+                </a:solidFill>
+                <a:latin typeface="Meiryo UI" panose="020B0604030504040204" pitchFamily="50" charset="-128"/>
+                <a:ea typeface="Meiryo UI" panose="020B0604030504040204" pitchFamily="50" charset="-128"/>
+              </a:rPr>
+              <a:t>s</a:t>
+            </a:r>
+            <a:r>
+              <a:rPr kumimoji="1" lang="en-US" altLang="ja-JP" sz="3200" dirty="0" smtClean="0">
+                <a:solidFill>
+                  <a:schemeClr val="tx1"/>
+                </a:solidFill>
+                <a:latin typeface="Meiryo UI" panose="020B0604030504040204" pitchFamily="50" charset="-128"/>
+                <a:ea typeface="Meiryo UI" panose="020B0604030504040204" pitchFamily="50" charset="-128"/>
+              </a:rPr>
+              <a:t>tart</a:t>
+            </a:r>
+            <a:endParaRPr kumimoji="1" lang="ja-JP" altLang="en-US" sz="3200" dirty="0">
+              <a:solidFill>
+                <a:schemeClr val="tx1"/>
+              </a:solidFill>
+              <a:latin typeface="Meiryo UI" panose="020B0604030504040204" pitchFamily="50" charset="-128"/>
+              <a:ea typeface="Meiryo UI" panose="020B0604030504040204" pitchFamily="50" charset="-128"/>
+            </a:endParaRPr>
+          </a:p>
+        </p:txBody>
+      </p:sp>
+      <p:sp>
+        <p:nvSpPr>
+          <p:cNvPr id="6" name="下矢印 5"/>
+          <p:cNvSpPr/>
+          <p:nvPr/>
+        </p:nvSpPr>
+        <p:spPr>
+          <a:xfrm>
+            <a:off x="2790581" y="763879"/>
+            <a:ext cx="242044" cy="367475"/>
+          </a:xfrm>
+          <a:prstGeom prst="downArrow">
+            <a:avLst/>
+          </a:prstGeom>
+          <a:noFill/>
+          <a:ln w="28575">
+            <a:solidFill>
+              <a:schemeClr val="tx1"/>
+            </a:solidFill>
+          </a:ln>
+        </p:spPr>
+        <p:style>
+          <a:lnRef idx="2">
+            <a:schemeClr val="accent1">
+              <a:shade val="50000"/>
+            </a:schemeClr>
+          </a:lnRef>
+          <a:fillRef idx="1">
+            <a:schemeClr val="accent1"/>
+          </a:fillRef>
+          <a:effectRef idx="0">
+            <a:schemeClr val="accent1"/>
+          </a:effectRef>
+          <a:fontRef idx="minor">
+            <a:schemeClr val="lt1"/>
+          </a:fontRef>
+        </p:style>
+        <p:txBody>
+          <a:bodyPr rtlCol="0" anchor="ctr"/>
+          <a:lstStyle/>
+          <a:p>
+            <a:pPr algn="ctr"/>
+            <a:endParaRPr kumimoji="1" lang="ja-JP" altLang="en-US">
+              <a:latin typeface="Meiryo UI" panose="020B0604030504040204" pitchFamily="50" charset="-128"/>
+              <a:ea typeface="Meiryo UI" panose="020B0604030504040204" pitchFamily="50" charset="-128"/>
+            </a:endParaRPr>
+          </a:p>
+        </p:txBody>
+      </p:sp>
+      <p:sp>
+        <p:nvSpPr>
+          <p:cNvPr id="35" name="フローチャート: 判断 34"/>
+          <p:cNvSpPr/>
+          <p:nvPr/>
+        </p:nvSpPr>
+        <p:spPr>
+          <a:xfrm>
+            <a:off x="1397644" y="1202711"/>
+            <a:ext cx="3025790" cy="683526"/>
+          </a:xfrm>
+          <a:prstGeom prst="flowChartDecision">
+            <a:avLst/>
+          </a:prstGeom>
+          <a:noFill/>
+          <a:ln w="28575">
+            <a:solidFill>
+              <a:schemeClr val="tx1"/>
+            </a:solidFill>
+          </a:ln>
+        </p:spPr>
+        <p:style>
+          <a:lnRef idx="2">
+            <a:schemeClr val="accent1">
+              <a:shade val="50000"/>
+            </a:schemeClr>
+          </a:lnRef>
+          <a:fillRef idx="1">
+            <a:schemeClr val="accent1"/>
+          </a:fillRef>
+          <a:effectRef idx="0">
+            <a:schemeClr val="accent1"/>
+          </a:effectRef>
+          <a:fontRef idx="minor">
+            <a:schemeClr val="lt1"/>
+          </a:fontRef>
+        </p:style>
+        <p:txBody>
+          <a:bodyPr rtlCol="0" anchor="ctr"/>
+          <a:lstStyle/>
+          <a:p>
+            <a:pPr algn="ctr"/>
+            <a:r>
+              <a:rPr kumimoji="1" lang="ja-JP" altLang="en-US" sz="1200" dirty="0" smtClean="0">
+                <a:solidFill>
+                  <a:schemeClr val="tx1"/>
+                </a:solidFill>
+                <a:latin typeface="Meiryo UI" panose="020B0604030504040204" pitchFamily="50" charset="-128"/>
+                <a:ea typeface="Meiryo UI" panose="020B0604030504040204" pitchFamily="50" charset="-128"/>
+              </a:rPr>
+              <a:t>文字「</a:t>
+            </a:r>
+            <a:r>
+              <a:rPr kumimoji="1" lang="en-US" altLang="ja-JP" sz="1200" dirty="0" smtClean="0">
+                <a:solidFill>
+                  <a:schemeClr val="tx1"/>
+                </a:solidFill>
+                <a:latin typeface="Meiryo UI" panose="020B0604030504040204" pitchFamily="50" charset="-128"/>
+                <a:ea typeface="Meiryo UI" panose="020B0604030504040204" pitchFamily="50" charset="-128"/>
+              </a:rPr>
+              <a:t>True</a:t>
+            </a:r>
+            <a:r>
+              <a:rPr kumimoji="1" lang="ja-JP" altLang="en-US" sz="1200" dirty="0" smtClean="0">
+                <a:solidFill>
+                  <a:schemeClr val="tx1"/>
+                </a:solidFill>
+                <a:latin typeface="Meiryo UI" panose="020B0604030504040204" pitchFamily="50" charset="-128"/>
+                <a:ea typeface="Meiryo UI" panose="020B0604030504040204" pitchFamily="50" charset="-128"/>
+              </a:rPr>
+              <a:t>」か「</a:t>
+            </a:r>
+            <a:r>
+              <a:rPr kumimoji="1" lang="en-US" altLang="ja-JP" sz="1200" dirty="0" smtClean="0">
+                <a:solidFill>
+                  <a:schemeClr val="tx1"/>
+                </a:solidFill>
+                <a:latin typeface="Meiryo UI" panose="020B0604030504040204" pitchFamily="50" charset="-128"/>
+                <a:ea typeface="Meiryo UI" panose="020B0604030504040204" pitchFamily="50" charset="-128"/>
+              </a:rPr>
+              <a:t>false</a:t>
+            </a:r>
+            <a:r>
+              <a:rPr kumimoji="1" lang="ja-JP" altLang="en-US" sz="1200" dirty="0" smtClean="0">
+                <a:solidFill>
+                  <a:schemeClr val="tx1"/>
+                </a:solidFill>
+                <a:latin typeface="Meiryo UI" panose="020B0604030504040204" pitchFamily="50" charset="-128"/>
+                <a:ea typeface="Meiryo UI" panose="020B0604030504040204" pitchFamily="50" charset="-128"/>
+              </a:rPr>
+              <a:t>」と入力</a:t>
+            </a:r>
+            <a:endParaRPr kumimoji="1" lang="ja-JP" altLang="en-US" sz="1200" dirty="0">
+              <a:solidFill>
+                <a:schemeClr val="tx1"/>
+              </a:solidFill>
+              <a:latin typeface="Meiryo UI" panose="020B0604030504040204" pitchFamily="50" charset="-128"/>
+              <a:ea typeface="Meiryo UI" panose="020B0604030504040204" pitchFamily="50" charset="-128"/>
+            </a:endParaRPr>
+          </a:p>
+        </p:txBody>
+      </p:sp>
+      <p:sp>
+        <p:nvSpPr>
+          <p:cNvPr id="38" name="フローチャート: 端子 37"/>
+          <p:cNvSpPr/>
+          <p:nvPr/>
+        </p:nvSpPr>
+        <p:spPr>
+          <a:xfrm>
+            <a:off x="2128134" y="6015298"/>
+            <a:ext cx="1322765" cy="408365"/>
+          </a:xfrm>
+          <a:prstGeom prst="flowChartTerminator">
+            <a:avLst/>
+          </a:prstGeom>
+          <a:noFill/>
+          <a:ln w="28575">
+            <a:solidFill>
+              <a:schemeClr val="tx1"/>
+            </a:solidFill>
+          </a:ln>
+        </p:spPr>
+        <p:style>
+          <a:lnRef idx="2">
+            <a:schemeClr val="accent1">
+              <a:shade val="50000"/>
+            </a:schemeClr>
+          </a:lnRef>
+          <a:fillRef idx="1">
+            <a:schemeClr val="accent1"/>
+          </a:fillRef>
+          <a:effectRef idx="0">
+            <a:schemeClr val="accent1"/>
+          </a:effectRef>
+          <a:fontRef idx="minor">
+            <a:schemeClr val="lt1"/>
+          </a:fontRef>
+        </p:style>
+        <p:txBody>
+          <a:bodyPr rtlCol="0" anchor="ctr"/>
+          <a:lstStyle/>
+          <a:p>
+            <a:pPr algn="ctr"/>
+            <a:r>
+              <a:rPr lang="en-US" altLang="ja-JP" sz="3200" dirty="0" smtClean="0">
+                <a:solidFill>
+                  <a:schemeClr val="tx1"/>
+                </a:solidFill>
+                <a:latin typeface="Meiryo UI" panose="020B0604030504040204" pitchFamily="50" charset="-128"/>
+                <a:ea typeface="Meiryo UI" panose="020B0604030504040204" pitchFamily="50" charset="-128"/>
+              </a:rPr>
+              <a:t>end</a:t>
+            </a:r>
+            <a:endParaRPr kumimoji="1" lang="ja-JP" altLang="en-US" sz="3200" dirty="0">
+              <a:solidFill>
+                <a:schemeClr val="tx1"/>
+              </a:solidFill>
+              <a:latin typeface="Meiryo UI" panose="020B0604030504040204" pitchFamily="50" charset="-128"/>
+              <a:ea typeface="Meiryo UI" panose="020B0604030504040204" pitchFamily="50" charset="-128"/>
+            </a:endParaRPr>
+          </a:p>
+        </p:txBody>
+      </p:sp>
+      <p:sp>
+        <p:nvSpPr>
+          <p:cNvPr id="19" name="フローチャート: 処理 18"/>
+          <p:cNvSpPr/>
+          <p:nvPr/>
+        </p:nvSpPr>
+        <p:spPr>
+          <a:xfrm>
+            <a:off x="1465081" y="2441071"/>
+            <a:ext cx="3006115" cy="551330"/>
+          </a:xfrm>
+          <a:prstGeom prst="flowChartProcess">
+            <a:avLst/>
+          </a:prstGeom>
+          <a:noFill/>
+          <a:ln w="28575">
+            <a:solidFill>
+              <a:schemeClr val="tx1"/>
+            </a:solidFill>
+          </a:ln>
+        </p:spPr>
+        <p:style>
+          <a:lnRef idx="2">
+            <a:schemeClr val="accent1">
+              <a:shade val="50000"/>
+            </a:schemeClr>
+          </a:lnRef>
+          <a:fillRef idx="1">
+            <a:schemeClr val="accent1"/>
+          </a:fillRef>
+          <a:effectRef idx="0">
+            <a:schemeClr val="accent1"/>
+          </a:effectRef>
+          <a:fontRef idx="minor">
+            <a:schemeClr val="lt1"/>
+          </a:fontRef>
+        </p:style>
+        <p:txBody>
+          <a:bodyPr rtlCol="0" anchor="ctr"/>
+          <a:lstStyle/>
+          <a:p>
+            <a:pPr algn="ctr"/>
+            <a:r>
+              <a:rPr lang="ja-JP" altLang="en-US" dirty="0" smtClean="0">
+                <a:solidFill>
+                  <a:schemeClr val="tx1"/>
+                </a:solidFill>
+                <a:latin typeface="Meiryo UI" panose="020B0604030504040204" pitchFamily="50" charset="-128"/>
+                <a:ea typeface="Meiryo UI" panose="020B0604030504040204" pitchFamily="50" charset="-128"/>
+              </a:rPr>
+              <a:t>「</a:t>
+            </a:r>
+            <a:r>
+              <a:rPr lang="en-US" altLang="ja-JP" dirty="0" smtClean="0">
+                <a:solidFill>
+                  <a:schemeClr val="tx1"/>
+                </a:solidFill>
+                <a:latin typeface="Meiryo UI" panose="020B0604030504040204" pitchFamily="50" charset="-128"/>
+                <a:ea typeface="Meiryo UI" panose="020B0604030504040204" pitchFamily="50" charset="-128"/>
+              </a:rPr>
+              <a:t>LOG:</a:t>
+            </a:r>
+            <a:r>
+              <a:rPr lang="ja-JP" altLang="en-US" dirty="0" smtClean="0">
+                <a:solidFill>
+                  <a:schemeClr val="tx1"/>
+                </a:solidFill>
+                <a:latin typeface="Meiryo UI" panose="020B0604030504040204" pitchFamily="50" charset="-128"/>
+                <a:ea typeface="Meiryo UI" panose="020B0604030504040204" pitchFamily="50" charset="-128"/>
+              </a:rPr>
+              <a:t>このページは</a:t>
+            </a:r>
+            <a:r>
+              <a:rPr lang="en-US" altLang="ja-JP" dirty="0" smtClean="0">
+                <a:solidFill>
+                  <a:schemeClr val="tx1"/>
+                </a:solidFill>
+                <a:latin typeface="Meiryo UI" panose="020B0604030504040204" pitchFamily="50" charset="-128"/>
+                <a:ea typeface="Meiryo UI" panose="020B0604030504040204" pitchFamily="50" charset="-128"/>
+              </a:rPr>
+              <a:t>TOP</a:t>
+            </a:r>
+            <a:r>
+              <a:rPr lang="ja-JP" altLang="en-US" dirty="0" smtClean="0">
+                <a:solidFill>
+                  <a:schemeClr val="tx1"/>
+                </a:solidFill>
+                <a:latin typeface="Meiryo UI" panose="020B0604030504040204" pitchFamily="50" charset="-128"/>
+                <a:ea typeface="Meiryo UI" panose="020B0604030504040204" pitchFamily="50" charset="-128"/>
+              </a:rPr>
+              <a:t>ページではありません」と表示</a:t>
+            </a:r>
+            <a:endParaRPr lang="en-US" altLang="ja-JP" dirty="0" smtClean="0">
+              <a:solidFill>
+                <a:schemeClr val="tx1"/>
+              </a:solidFill>
+              <a:latin typeface="Meiryo UI" panose="020B0604030504040204" pitchFamily="50" charset="-128"/>
+              <a:ea typeface="Meiryo UI" panose="020B0604030504040204" pitchFamily="50" charset="-128"/>
+            </a:endParaRPr>
+          </a:p>
+        </p:txBody>
+      </p:sp>
+      <p:sp>
+        <p:nvSpPr>
+          <p:cNvPr id="21" name="下矢印 20"/>
+          <p:cNvSpPr/>
+          <p:nvPr/>
+        </p:nvSpPr>
+        <p:spPr>
+          <a:xfrm>
+            <a:off x="2789517" y="2012786"/>
+            <a:ext cx="242044" cy="367475"/>
+          </a:xfrm>
+          <a:prstGeom prst="downArrow">
+            <a:avLst/>
+          </a:prstGeom>
+          <a:noFill/>
+          <a:ln w="28575">
+            <a:solidFill>
+              <a:schemeClr val="tx1"/>
+            </a:solidFill>
+          </a:ln>
+        </p:spPr>
+        <p:style>
+          <a:lnRef idx="2">
+            <a:schemeClr val="accent1">
+              <a:shade val="50000"/>
+            </a:schemeClr>
+          </a:lnRef>
+          <a:fillRef idx="1">
+            <a:schemeClr val="accent1"/>
+          </a:fillRef>
+          <a:effectRef idx="0">
+            <a:schemeClr val="accent1"/>
+          </a:effectRef>
+          <a:fontRef idx="minor">
+            <a:schemeClr val="lt1"/>
+          </a:fontRef>
+        </p:style>
+        <p:txBody>
+          <a:bodyPr rtlCol="0" anchor="ctr"/>
+          <a:lstStyle/>
+          <a:p>
+            <a:pPr algn="ctr"/>
+            <a:endParaRPr kumimoji="1" lang="ja-JP" altLang="en-US">
+              <a:latin typeface="Meiryo UI" panose="020B0604030504040204" pitchFamily="50" charset="-128"/>
+              <a:ea typeface="Meiryo UI" panose="020B0604030504040204" pitchFamily="50" charset="-128"/>
+            </a:endParaRPr>
+          </a:p>
+        </p:txBody>
+      </p:sp>
+      <p:sp>
+        <p:nvSpPr>
+          <p:cNvPr id="22" name="下矢印 21"/>
+          <p:cNvSpPr/>
+          <p:nvPr/>
+        </p:nvSpPr>
+        <p:spPr>
+          <a:xfrm>
+            <a:off x="6242210" y="4277140"/>
+            <a:ext cx="242044" cy="367475"/>
+          </a:xfrm>
+          <a:prstGeom prst="downArrow">
+            <a:avLst/>
+          </a:prstGeom>
+          <a:noFill/>
+          <a:ln w="28575">
+            <a:solidFill>
+              <a:schemeClr val="tx1"/>
+            </a:solidFill>
+          </a:ln>
+        </p:spPr>
+        <p:style>
+          <a:lnRef idx="2">
+            <a:schemeClr val="accent1">
+              <a:shade val="50000"/>
+            </a:schemeClr>
+          </a:lnRef>
+          <a:fillRef idx="1">
+            <a:schemeClr val="accent1"/>
+          </a:fillRef>
+          <a:effectRef idx="0">
+            <a:schemeClr val="accent1"/>
+          </a:effectRef>
+          <a:fontRef idx="minor">
+            <a:schemeClr val="lt1"/>
+          </a:fontRef>
+        </p:style>
+        <p:txBody>
+          <a:bodyPr rtlCol="0" anchor="ctr"/>
+          <a:lstStyle/>
+          <a:p>
+            <a:pPr algn="ctr"/>
+            <a:endParaRPr kumimoji="1" lang="ja-JP" altLang="en-US">
+              <a:latin typeface="Meiryo UI" panose="020B0604030504040204" pitchFamily="50" charset="-128"/>
+              <a:ea typeface="Meiryo UI" panose="020B0604030504040204" pitchFamily="50" charset="-128"/>
+            </a:endParaRPr>
+          </a:p>
+        </p:txBody>
+      </p:sp>
+      <p:sp>
+        <p:nvSpPr>
+          <p:cNvPr id="23" name="下矢印 22"/>
+          <p:cNvSpPr/>
+          <p:nvPr/>
+        </p:nvSpPr>
+        <p:spPr>
+          <a:xfrm>
+            <a:off x="2691319" y="3141581"/>
+            <a:ext cx="438439" cy="2724537"/>
+          </a:xfrm>
+          <a:prstGeom prst="downArrow">
+            <a:avLst/>
+          </a:prstGeom>
+          <a:noFill/>
+          <a:ln w="28575">
+            <a:solidFill>
+              <a:schemeClr val="tx1"/>
+            </a:solidFill>
+          </a:ln>
+        </p:spPr>
+        <p:style>
+          <a:lnRef idx="2">
+            <a:schemeClr val="accent1">
+              <a:shade val="50000"/>
+            </a:schemeClr>
+          </a:lnRef>
+          <a:fillRef idx="1">
+            <a:schemeClr val="accent1"/>
+          </a:fillRef>
+          <a:effectRef idx="0">
+            <a:schemeClr val="accent1"/>
+          </a:effectRef>
+          <a:fontRef idx="minor">
+            <a:schemeClr val="lt1"/>
+          </a:fontRef>
+        </p:style>
+        <p:txBody>
+          <a:bodyPr rtlCol="0" anchor="ctr"/>
+          <a:lstStyle/>
+          <a:p>
+            <a:pPr algn="ctr"/>
+            <a:endParaRPr kumimoji="1" lang="ja-JP" altLang="en-US">
+              <a:latin typeface="Meiryo UI" panose="020B0604030504040204" pitchFamily="50" charset="-128"/>
+              <a:ea typeface="Meiryo UI" panose="020B0604030504040204" pitchFamily="50" charset="-128"/>
+            </a:endParaRPr>
+          </a:p>
+        </p:txBody>
+      </p:sp>
+      <p:sp>
+        <p:nvSpPr>
+          <p:cNvPr id="15" name="テキスト ボックス 14"/>
+          <p:cNvSpPr txBox="1"/>
+          <p:nvPr/>
+        </p:nvSpPr>
+        <p:spPr>
+          <a:xfrm>
+            <a:off x="3031560" y="1972448"/>
+            <a:ext cx="1356250" cy="369332"/>
+          </a:xfrm>
+          <a:prstGeom prst="rect">
+            <a:avLst/>
+          </a:prstGeom>
+          <a:noFill/>
+        </p:spPr>
+        <p:txBody>
+          <a:bodyPr wrap="square" rtlCol="0">
+            <a:spAutoFit/>
+          </a:bodyPr>
+          <a:lstStyle/>
+          <a:p>
+            <a:r>
+              <a:rPr lang="en-US" altLang="ja-JP" dirty="0">
+                <a:latin typeface="Meiryo UI" panose="020B0604030504040204" pitchFamily="50" charset="-128"/>
+                <a:ea typeface="Meiryo UI" panose="020B0604030504040204" pitchFamily="50" charset="-128"/>
+              </a:rPr>
+              <a:t>f</a:t>
+            </a:r>
+            <a:r>
+              <a:rPr kumimoji="1" lang="en-US" altLang="ja-JP" dirty="0" smtClean="0">
+                <a:latin typeface="Meiryo UI" panose="020B0604030504040204" pitchFamily="50" charset="-128"/>
+                <a:ea typeface="Meiryo UI" panose="020B0604030504040204" pitchFamily="50" charset="-128"/>
+              </a:rPr>
+              <a:t>alse</a:t>
+            </a:r>
+            <a:r>
+              <a:rPr kumimoji="1" lang="ja-JP" altLang="en-US" dirty="0" smtClean="0">
+                <a:latin typeface="Meiryo UI" panose="020B0604030504040204" pitchFamily="50" charset="-128"/>
+                <a:ea typeface="Meiryo UI" panose="020B0604030504040204" pitchFamily="50" charset="-128"/>
+              </a:rPr>
+              <a:t>と入力</a:t>
+            </a:r>
+            <a:endParaRPr kumimoji="1" lang="ja-JP" altLang="en-US" dirty="0">
+              <a:latin typeface="Meiryo UI" panose="020B0604030504040204" pitchFamily="50" charset="-128"/>
+              <a:ea typeface="Meiryo UI" panose="020B0604030504040204" pitchFamily="50" charset="-128"/>
+            </a:endParaRPr>
+          </a:p>
+        </p:txBody>
+      </p:sp>
+      <p:sp>
+        <p:nvSpPr>
+          <p:cNvPr id="26" name="下矢印 25"/>
+          <p:cNvSpPr/>
+          <p:nvPr/>
+        </p:nvSpPr>
+        <p:spPr>
+          <a:xfrm>
+            <a:off x="6242210" y="1987829"/>
+            <a:ext cx="242044" cy="367475"/>
+          </a:xfrm>
+          <a:prstGeom prst="downArrow">
+            <a:avLst/>
+          </a:prstGeom>
+          <a:noFill/>
+          <a:ln w="28575">
+            <a:solidFill>
+              <a:schemeClr val="tx1"/>
+            </a:solidFill>
+          </a:ln>
+        </p:spPr>
+        <p:style>
+          <a:lnRef idx="2">
+            <a:schemeClr val="accent1">
+              <a:shade val="50000"/>
+            </a:schemeClr>
+          </a:lnRef>
+          <a:fillRef idx="1">
+            <a:schemeClr val="accent1"/>
+          </a:fillRef>
+          <a:effectRef idx="0">
+            <a:schemeClr val="accent1"/>
+          </a:effectRef>
+          <a:fontRef idx="minor">
+            <a:schemeClr val="lt1"/>
+          </a:fontRef>
+        </p:style>
+        <p:txBody>
+          <a:bodyPr rtlCol="0" anchor="ctr"/>
+          <a:lstStyle/>
+          <a:p>
+            <a:pPr algn="ctr"/>
+            <a:endParaRPr kumimoji="1" lang="ja-JP" altLang="en-US">
+              <a:latin typeface="Meiryo UI" panose="020B0604030504040204" pitchFamily="50" charset="-128"/>
+              <a:ea typeface="Meiryo UI" panose="020B0604030504040204" pitchFamily="50" charset="-128"/>
+            </a:endParaRPr>
+          </a:p>
+        </p:txBody>
+      </p:sp>
+      <p:sp>
+        <p:nvSpPr>
+          <p:cNvPr id="4" name="左矢印 3"/>
+          <p:cNvSpPr/>
+          <p:nvPr/>
+        </p:nvSpPr>
+        <p:spPr>
+          <a:xfrm>
+            <a:off x="3709684" y="6015298"/>
+            <a:ext cx="1467433" cy="336176"/>
+          </a:xfrm>
+          <a:prstGeom prst="leftArrow">
+            <a:avLst/>
+          </a:prstGeom>
+          <a:noFill/>
+          <a:ln w="28575">
+            <a:solidFill>
+              <a:schemeClr val="tx1"/>
+            </a:solidFill>
+          </a:ln>
+        </p:spPr>
+        <p:style>
+          <a:lnRef idx="2">
+            <a:schemeClr val="accent1">
+              <a:shade val="50000"/>
+            </a:schemeClr>
+          </a:lnRef>
+          <a:fillRef idx="1">
+            <a:schemeClr val="accent1"/>
+          </a:fillRef>
+          <a:effectRef idx="0">
+            <a:schemeClr val="accent1"/>
+          </a:effectRef>
+          <a:fontRef idx="minor">
+            <a:schemeClr val="lt1"/>
+          </a:fontRef>
+        </p:style>
+        <p:txBody>
+          <a:bodyPr rtlCol="0" anchor="ctr"/>
+          <a:lstStyle/>
+          <a:p>
+            <a:pPr algn="ctr"/>
+            <a:endParaRPr kumimoji="1" lang="ja-JP" altLang="en-US"/>
+          </a:p>
+        </p:txBody>
+      </p:sp>
+      <p:sp>
+        <p:nvSpPr>
+          <p:cNvPr id="32" name="テキスト ボックス 31"/>
+          <p:cNvSpPr txBox="1"/>
+          <p:nvPr/>
+        </p:nvSpPr>
+        <p:spPr>
+          <a:xfrm>
+            <a:off x="4155141" y="979564"/>
+            <a:ext cx="1356250" cy="369332"/>
+          </a:xfrm>
+          <a:prstGeom prst="rect">
+            <a:avLst/>
+          </a:prstGeom>
+          <a:noFill/>
+        </p:spPr>
+        <p:txBody>
+          <a:bodyPr wrap="square" rtlCol="0">
+            <a:spAutoFit/>
+          </a:bodyPr>
+          <a:lstStyle/>
+          <a:p>
+            <a:r>
+              <a:rPr lang="en-US" altLang="ja-JP" dirty="0" smtClean="0">
+                <a:latin typeface="Meiryo UI" panose="020B0604030504040204" pitchFamily="50" charset="-128"/>
+                <a:ea typeface="Meiryo UI" panose="020B0604030504040204" pitchFamily="50" charset="-128"/>
+              </a:rPr>
+              <a:t>true</a:t>
+            </a:r>
+            <a:r>
+              <a:rPr kumimoji="1" lang="ja-JP" altLang="en-US" dirty="0" smtClean="0">
+                <a:latin typeface="Meiryo UI" panose="020B0604030504040204" pitchFamily="50" charset="-128"/>
+                <a:ea typeface="Meiryo UI" panose="020B0604030504040204" pitchFamily="50" charset="-128"/>
+              </a:rPr>
+              <a:t>と入力</a:t>
+            </a:r>
+            <a:endParaRPr kumimoji="1" lang="ja-JP" altLang="en-US" dirty="0">
+              <a:latin typeface="Meiryo UI" panose="020B0604030504040204" pitchFamily="50" charset="-128"/>
+              <a:ea typeface="Meiryo UI" panose="020B0604030504040204" pitchFamily="50" charset="-128"/>
+            </a:endParaRPr>
+          </a:p>
+        </p:txBody>
+      </p:sp>
+      <p:sp>
+        <p:nvSpPr>
+          <p:cNvPr id="7" name="右矢印 6"/>
+          <p:cNvSpPr/>
+          <p:nvPr/>
+        </p:nvSpPr>
+        <p:spPr>
+          <a:xfrm>
+            <a:off x="4573589" y="1402948"/>
+            <a:ext cx="429355" cy="256924"/>
+          </a:xfrm>
+          <a:prstGeom prst="rightArrow">
+            <a:avLst/>
+          </a:prstGeom>
+          <a:noFill/>
+          <a:ln w="28575">
+            <a:solidFill>
+              <a:schemeClr val="tx1"/>
+            </a:solidFill>
+          </a:ln>
+        </p:spPr>
+        <p:style>
+          <a:lnRef idx="2">
+            <a:schemeClr val="accent1">
+              <a:shade val="50000"/>
+            </a:schemeClr>
+          </a:lnRef>
+          <a:fillRef idx="1">
+            <a:schemeClr val="accent1"/>
+          </a:fillRef>
+          <a:effectRef idx="0">
+            <a:schemeClr val="accent1"/>
+          </a:effectRef>
+          <a:fontRef idx="minor">
+            <a:schemeClr val="lt1"/>
+          </a:fontRef>
+        </p:style>
+        <p:txBody>
+          <a:bodyPr rtlCol="0" anchor="ctr"/>
+          <a:lstStyle/>
+          <a:p>
+            <a:pPr algn="ctr"/>
+            <a:endParaRPr kumimoji="1" lang="ja-JP" altLang="en-US">
+              <a:latin typeface="Meiryo UI" panose="020B0604030504040204" pitchFamily="50" charset="-128"/>
+              <a:ea typeface="Meiryo UI" panose="020B0604030504040204" pitchFamily="50" charset="-128"/>
+            </a:endParaRPr>
+          </a:p>
+        </p:txBody>
+      </p:sp>
+      <p:sp>
+        <p:nvSpPr>
+          <p:cNvPr id="8" name="片側の 2 つの角を切り取った四角形 7"/>
+          <p:cNvSpPr/>
+          <p:nvPr/>
+        </p:nvSpPr>
+        <p:spPr>
+          <a:xfrm>
+            <a:off x="5340350" y="1191119"/>
+            <a:ext cx="2094350" cy="663890"/>
+          </a:xfrm>
+          <a:prstGeom prst="snip2SameRect">
+            <a:avLst/>
+          </a:prstGeom>
+          <a:noFill/>
+          <a:ln w="28575">
+            <a:solidFill>
+              <a:schemeClr val="tx1"/>
+            </a:solidFill>
+          </a:ln>
+        </p:spPr>
+        <p:style>
+          <a:lnRef idx="2">
+            <a:schemeClr val="accent1">
+              <a:shade val="50000"/>
+            </a:schemeClr>
+          </a:lnRef>
+          <a:fillRef idx="1">
+            <a:schemeClr val="accent1"/>
+          </a:fillRef>
+          <a:effectRef idx="0">
+            <a:schemeClr val="accent1"/>
+          </a:effectRef>
+          <a:fontRef idx="minor">
+            <a:schemeClr val="lt1"/>
+          </a:fontRef>
+        </p:style>
+        <p:txBody>
+          <a:bodyPr rtlCol="0" anchor="ctr"/>
+          <a:lstStyle/>
+          <a:p>
+            <a:pPr algn="ctr"/>
+            <a:r>
+              <a:rPr kumimoji="1" lang="en-US" altLang="ja-JP" dirty="0" smtClean="0">
+                <a:solidFill>
+                  <a:schemeClr val="tx1"/>
+                </a:solidFill>
+                <a:latin typeface="Meiryo UI" panose="020B0604030504040204" pitchFamily="50" charset="-128"/>
+                <a:ea typeface="Meiryo UI" panose="020B0604030504040204" pitchFamily="50" charset="-128"/>
+              </a:rPr>
+              <a:t>20</a:t>
+            </a:r>
+            <a:r>
+              <a:rPr kumimoji="1" lang="ja-JP" altLang="en-US" dirty="0" smtClean="0">
+                <a:solidFill>
+                  <a:schemeClr val="tx1"/>
+                </a:solidFill>
+                <a:latin typeface="Meiryo UI" panose="020B0604030504040204" pitchFamily="50" charset="-128"/>
+                <a:ea typeface="Meiryo UI" panose="020B0604030504040204" pitchFamily="50" charset="-128"/>
+              </a:rPr>
+              <a:t>回繰り返す</a:t>
+            </a:r>
+            <a:endParaRPr kumimoji="1" lang="ja-JP" altLang="en-US" dirty="0">
+              <a:solidFill>
+                <a:schemeClr val="tx1"/>
+              </a:solidFill>
+              <a:latin typeface="Meiryo UI" panose="020B0604030504040204" pitchFamily="50" charset="-128"/>
+              <a:ea typeface="Meiryo UI" panose="020B0604030504040204" pitchFamily="50" charset="-128"/>
+            </a:endParaRPr>
+          </a:p>
+        </p:txBody>
+      </p:sp>
+      <p:sp>
+        <p:nvSpPr>
+          <p:cNvPr id="34" name="フローチャート: 処理 33"/>
+          <p:cNvSpPr/>
+          <p:nvPr/>
+        </p:nvSpPr>
+        <p:spPr>
+          <a:xfrm>
+            <a:off x="5285969" y="2460478"/>
+            <a:ext cx="2148731" cy="716498"/>
+          </a:xfrm>
+          <a:prstGeom prst="flowChartProcess">
+            <a:avLst/>
+          </a:prstGeom>
+          <a:noFill/>
+          <a:ln w="28575">
+            <a:solidFill>
+              <a:schemeClr val="tx1"/>
+            </a:solidFill>
+          </a:ln>
+        </p:spPr>
+        <p:style>
+          <a:lnRef idx="2">
+            <a:schemeClr val="accent1">
+              <a:shade val="50000"/>
+            </a:schemeClr>
+          </a:lnRef>
+          <a:fillRef idx="1">
+            <a:schemeClr val="accent1"/>
+          </a:fillRef>
+          <a:effectRef idx="0">
+            <a:schemeClr val="accent1"/>
+          </a:effectRef>
+          <a:fontRef idx="minor">
+            <a:schemeClr val="lt1"/>
+          </a:fontRef>
+        </p:style>
+        <p:txBody>
+          <a:bodyPr rtlCol="0" anchor="ctr"/>
+          <a:lstStyle/>
+          <a:p>
+            <a:pPr algn="ctr"/>
+            <a:r>
+              <a:rPr lang="ja-JP" altLang="en-US" dirty="0" smtClean="0">
+                <a:solidFill>
+                  <a:schemeClr val="tx1"/>
+                </a:solidFill>
+                <a:latin typeface="Meiryo UI" panose="020B0604030504040204" pitchFamily="50" charset="-128"/>
+                <a:ea typeface="Meiryo UI" panose="020B0604030504040204" pitchFamily="50" charset="-128"/>
+              </a:rPr>
+              <a:t>「記事</a:t>
+            </a:r>
+            <a:r>
+              <a:rPr lang="en-US" altLang="ja-JP" dirty="0" smtClean="0">
+                <a:solidFill>
+                  <a:schemeClr val="tx1"/>
+                </a:solidFill>
+                <a:latin typeface="Meiryo UI" panose="020B0604030504040204" pitchFamily="50" charset="-128"/>
+                <a:ea typeface="Meiryo UI" panose="020B0604030504040204" pitchFamily="50" charset="-128"/>
+              </a:rPr>
+              <a:t>NO.X</a:t>
+            </a:r>
+            <a:r>
+              <a:rPr lang="ja-JP" altLang="en-US" dirty="0" smtClean="0">
+                <a:solidFill>
+                  <a:schemeClr val="tx1"/>
+                </a:solidFill>
+                <a:latin typeface="Meiryo UI" panose="020B0604030504040204" pitchFamily="50" charset="-128"/>
+                <a:ea typeface="Meiryo UI" panose="020B0604030504040204" pitchFamily="50" charset="-128"/>
+              </a:rPr>
+              <a:t>を表示」</a:t>
+            </a:r>
+            <a:endParaRPr lang="en-US" altLang="ja-JP" dirty="0" smtClean="0">
+              <a:solidFill>
+                <a:schemeClr val="tx1"/>
+              </a:solidFill>
+              <a:latin typeface="Meiryo UI" panose="020B0604030504040204" pitchFamily="50" charset="-128"/>
+              <a:ea typeface="Meiryo UI" panose="020B0604030504040204" pitchFamily="50" charset="-128"/>
+            </a:endParaRPr>
+          </a:p>
+          <a:p>
+            <a:pPr algn="ctr"/>
+            <a:r>
+              <a:rPr lang="ja-JP" altLang="en-US" dirty="0" smtClean="0">
+                <a:solidFill>
+                  <a:schemeClr val="tx1"/>
+                </a:solidFill>
+                <a:latin typeface="Meiryo UI" panose="020B0604030504040204" pitchFamily="50" charset="-128"/>
+                <a:ea typeface="Meiryo UI" panose="020B0604030504040204" pitchFamily="50" charset="-128"/>
+              </a:rPr>
+              <a:t>と表示</a:t>
+            </a:r>
+            <a:endParaRPr lang="en-US" altLang="ja-JP" dirty="0" smtClean="0">
+              <a:solidFill>
+                <a:schemeClr val="tx1"/>
+              </a:solidFill>
+              <a:latin typeface="Meiryo UI" panose="020B0604030504040204" pitchFamily="50" charset="-128"/>
+              <a:ea typeface="Meiryo UI" panose="020B0604030504040204" pitchFamily="50" charset="-128"/>
+            </a:endParaRPr>
+          </a:p>
+        </p:txBody>
+      </p:sp>
+      <p:sp>
+        <p:nvSpPr>
+          <p:cNvPr id="36" name="下矢印 35"/>
+          <p:cNvSpPr/>
+          <p:nvPr/>
+        </p:nvSpPr>
+        <p:spPr>
+          <a:xfrm>
+            <a:off x="6219740" y="3270664"/>
+            <a:ext cx="242044" cy="367475"/>
+          </a:xfrm>
+          <a:prstGeom prst="downArrow">
+            <a:avLst/>
+          </a:prstGeom>
+          <a:noFill/>
+          <a:ln w="28575">
+            <a:solidFill>
+              <a:schemeClr val="tx1"/>
+            </a:solidFill>
+          </a:ln>
+        </p:spPr>
+        <p:style>
+          <a:lnRef idx="2">
+            <a:schemeClr val="accent1">
+              <a:shade val="50000"/>
+            </a:schemeClr>
+          </a:lnRef>
+          <a:fillRef idx="1">
+            <a:schemeClr val="accent1"/>
+          </a:fillRef>
+          <a:effectRef idx="0">
+            <a:schemeClr val="accent1"/>
+          </a:effectRef>
+          <a:fontRef idx="minor">
+            <a:schemeClr val="lt1"/>
+          </a:fontRef>
+        </p:style>
+        <p:txBody>
+          <a:bodyPr rtlCol="0" anchor="ctr"/>
+          <a:lstStyle/>
+          <a:p>
+            <a:pPr algn="ctr"/>
+            <a:endParaRPr kumimoji="1" lang="ja-JP" altLang="en-US">
+              <a:latin typeface="Meiryo UI" panose="020B0604030504040204" pitchFamily="50" charset="-128"/>
+              <a:ea typeface="Meiryo UI" panose="020B0604030504040204" pitchFamily="50" charset="-128"/>
+            </a:endParaRPr>
+          </a:p>
+        </p:txBody>
+      </p:sp>
+      <p:sp>
+        <p:nvSpPr>
+          <p:cNvPr id="37" name="フローチャート: 処理 36"/>
+          <p:cNvSpPr/>
+          <p:nvPr/>
+        </p:nvSpPr>
+        <p:spPr>
+          <a:xfrm>
+            <a:off x="5285968" y="3699175"/>
+            <a:ext cx="2148731" cy="516929"/>
+          </a:xfrm>
+          <a:prstGeom prst="flowChartProcess">
+            <a:avLst/>
+          </a:prstGeom>
+          <a:noFill/>
+          <a:ln w="28575">
+            <a:solidFill>
+              <a:schemeClr val="tx1"/>
+            </a:solidFill>
+          </a:ln>
+        </p:spPr>
+        <p:style>
+          <a:lnRef idx="2">
+            <a:schemeClr val="accent1">
+              <a:shade val="50000"/>
+            </a:schemeClr>
+          </a:lnRef>
+          <a:fillRef idx="1">
+            <a:schemeClr val="accent1"/>
+          </a:fillRef>
+          <a:effectRef idx="0">
+            <a:schemeClr val="accent1"/>
+          </a:effectRef>
+          <a:fontRef idx="minor">
+            <a:schemeClr val="lt1"/>
+          </a:fontRef>
+        </p:style>
+        <p:txBody>
+          <a:bodyPr rtlCol="0" anchor="ctr"/>
+          <a:lstStyle/>
+          <a:p>
+            <a:pPr algn="ctr"/>
+            <a:r>
+              <a:rPr lang="en-US" altLang="ja-JP" dirty="0" smtClean="0">
+                <a:solidFill>
+                  <a:schemeClr val="tx1"/>
+                </a:solidFill>
+                <a:latin typeface="Meiryo UI" panose="020B0604030504040204" pitchFamily="50" charset="-128"/>
+                <a:ea typeface="Meiryo UI" panose="020B0604030504040204" pitchFamily="50" charset="-128"/>
+              </a:rPr>
+              <a:t>X</a:t>
+            </a:r>
+            <a:r>
+              <a:rPr lang="ja-JP" altLang="en-US" dirty="0" smtClean="0">
+                <a:solidFill>
+                  <a:schemeClr val="tx1"/>
+                </a:solidFill>
+                <a:latin typeface="Meiryo UI" panose="020B0604030504040204" pitchFamily="50" charset="-128"/>
+                <a:ea typeface="Meiryo UI" panose="020B0604030504040204" pitchFamily="50" charset="-128"/>
+              </a:rPr>
+              <a:t>は</a:t>
+            </a:r>
+            <a:r>
+              <a:rPr lang="en-US" altLang="ja-JP" dirty="0" smtClean="0">
+                <a:solidFill>
+                  <a:schemeClr val="tx1"/>
+                </a:solidFill>
+                <a:latin typeface="Meiryo UI" panose="020B0604030504040204" pitchFamily="50" charset="-128"/>
+                <a:ea typeface="Meiryo UI" panose="020B0604030504040204" pitchFamily="50" charset="-128"/>
+              </a:rPr>
+              <a:t>1</a:t>
+            </a:r>
+            <a:r>
+              <a:rPr lang="ja-JP" altLang="en-US" dirty="0" smtClean="0">
+                <a:solidFill>
+                  <a:schemeClr val="tx1"/>
+                </a:solidFill>
+                <a:latin typeface="Meiryo UI" panose="020B0604030504040204" pitchFamily="50" charset="-128"/>
+                <a:ea typeface="Meiryo UI" panose="020B0604030504040204" pitchFamily="50" charset="-128"/>
+              </a:rPr>
+              <a:t>からスタート</a:t>
+            </a:r>
+            <a:endParaRPr lang="en-US" altLang="ja-JP" dirty="0" smtClean="0">
+              <a:solidFill>
+                <a:schemeClr val="tx1"/>
+              </a:solidFill>
+              <a:latin typeface="Meiryo UI" panose="020B0604030504040204" pitchFamily="50" charset="-128"/>
+              <a:ea typeface="Meiryo UI" panose="020B0604030504040204" pitchFamily="50" charset="-128"/>
+            </a:endParaRPr>
+          </a:p>
+        </p:txBody>
+      </p:sp>
+      <p:sp>
+        <p:nvSpPr>
+          <p:cNvPr id="39" name="フローチャート: 処理 38"/>
+          <p:cNvSpPr/>
+          <p:nvPr/>
+        </p:nvSpPr>
+        <p:spPr>
+          <a:xfrm>
+            <a:off x="5299495" y="4732201"/>
+            <a:ext cx="2148731" cy="516929"/>
+          </a:xfrm>
+          <a:prstGeom prst="flowChartProcess">
+            <a:avLst/>
+          </a:prstGeom>
+          <a:noFill/>
+          <a:ln w="28575">
+            <a:solidFill>
+              <a:schemeClr val="tx1"/>
+            </a:solidFill>
+          </a:ln>
+        </p:spPr>
+        <p:style>
+          <a:lnRef idx="2">
+            <a:schemeClr val="accent1">
+              <a:shade val="50000"/>
+            </a:schemeClr>
+          </a:lnRef>
+          <a:fillRef idx="1">
+            <a:schemeClr val="accent1"/>
+          </a:fillRef>
+          <a:effectRef idx="0">
+            <a:schemeClr val="accent1"/>
+          </a:effectRef>
+          <a:fontRef idx="minor">
+            <a:schemeClr val="lt1"/>
+          </a:fontRef>
+        </p:style>
+        <p:txBody>
+          <a:bodyPr rtlCol="0" anchor="ctr"/>
+          <a:lstStyle/>
+          <a:p>
+            <a:pPr algn="ctr"/>
+            <a:r>
+              <a:rPr lang="en-US" altLang="ja-JP" dirty="0" smtClean="0">
+                <a:solidFill>
+                  <a:schemeClr val="tx1"/>
+                </a:solidFill>
+                <a:latin typeface="Meiryo UI" panose="020B0604030504040204" pitchFamily="50" charset="-128"/>
+                <a:ea typeface="Meiryo UI" panose="020B0604030504040204" pitchFamily="50" charset="-128"/>
+              </a:rPr>
+              <a:t>X</a:t>
+            </a:r>
+            <a:r>
+              <a:rPr lang="ja-JP" altLang="en-US" dirty="0" smtClean="0">
+                <a:solidFill>
+                  <a:schemeClr val="tx1"/>
+                </a:solidFill>
+                <a:latin typeface="Meiryo UI" panose="020B0604030504040204" pitchFamily="50" charset="-128"/>
+                <a:ea typeface="Meiryo UI" panose="020B0604030504040204" pitchFamily="50" charset="-128"/>
+              </a:rPr>
+              <a:t>に</a:t>
+            </a:r>
+            <a:r>
+              <a:rPr lang="en-US" altLang="ja-JP" dirty="0" smtClean="0">
+                <a:solidFill>
+                  <a:schemeClr val="tx1"/>
+                </a:solidFill>
+                <a:latin typeface="Meiryo UI" panose="020B0604030504040204" pitchFamily="50" charset="-128"/>
+                <a:ea typeface="Meiryo UI" panose="020B0604030504040204" pitchFamily="50" charset="-128"/>
+              </a:rPr>
+              <a:t>1</a:t>
+            </a:r>
+            <a:r>
+              <a:rPr lang="ja-JP" altLang="en-US" dirty="0" smtClean="0">
+                <a:solidFill>
+                  <a:schemeClr val="tx1"/>
+                </a:solidFill>
+                <a:latin typeface="Meiryo UI" panose="020B0604030504040204" pitchFamily="50" charset="-128"/>
+                <a:ea typeface="Meiryo UI" panose="020B0604030504040204" pitchFamily="50" charset="-128"/>
+              </a:rPr>
+              <a:t>をプラス</a:t>
+            </a:r>
+            <a:endParaRPr lang="en-US" altLang="ja-JP" dirty="0" smtClean="0">
+              <a:solidFill>
+                <a:schemeClr val="tx1"/>
+              </a:solidFill>
+              <a:latin typeface="Meiryo UI" panose="020B0604030504040204" pitchFamily="50" charset="-128"/>
+              <a:ea typeface="Meiryo UI" panose="020B0604030504040204" pitchFamily="50" charset="-128"/>
+            </a:endParaRPr>
+          </a:p>
+        </p:txBody>
+      </p:sp>
+      <p:sp>
+        <p:nvSpPr>
+          <p:cNvPr id="40" name="片側の 2 つの角を切り取った四角形 39"/>
+          <p:cNvSpPr/>
+          <p:nvPr/>
+        </p:nvSpPr>
+        <p:spPr>
+          <a:xfrm rot="10800000">
+            <a:off x="5326685" y="5851441"/>
+            <a:ext cx="2094350" cy="663890"/>
+          </a:xfrm>
+          <a:prstGeom prst="snip2SameRect">
+            <a:avLst/>
+          </a:prstGeom>
+          <a:noFill/>
+          <a:ln w="28575">
+            <a:solidFill>
+              <a:schemeClr val="tx1"/>
+            </a:solidFill>
+          </a:ln>
+        </p:spPr>
+        <p:style>
+          <a:lnRef idx="2">
+            <a:schemeClr val="accent1">
+              <a:shade val="50000"/>
+            </a:schemeClr>
+          </a:lnRef>
+          <a:fillRef idx="1">
+            <a:schemeClr val="accent1"/>
+          </a:fillRef>
+          <a:effectRef idx="0">
+            <a:schemeClr val="accent1"/>
+          </a:effectRef>
+          <a:fontRef idx="minor">
+            <a:schemeClr val="lt1"/>
+          </a:fontRef>
+        </p:style>
+        <p:txBody>
+          <a:bodyPr rtlCol="0" anchor="ctr"/>
+          <a:lstStyle/>
+          <a:p>
+            <a:pPr algn="ctr"/>
+            <a:endParaRPr kumimoji="1" lang="ja-JP" altLang="en-US" dirty="0">
+              <a:solidFill>
+                <a:schemeClr val="tx1"/>
+              </a:solidFill>
+            </a:endParaRPr>
+          </a:p>
+        </p:txBody>
+      </p:sp>
+      <p:sp>
+        <p:nvSpPr>
+          <p:cNvPr id="41" name="下矢印 40"/>
+          <p:cNvSpPr/>
+          <p:nvPr/>
+        </p:nvSpPr>
+        <p:spPr>
+          <a:xfrm>
+            <a:off x="6242210" y="5343517"/>
+            <a:ext cx="242044" cy="367475"/>
+          </a:xfrm>
+          <a:prstGeom prst="downArrow">
+            <a:avLst/>
+          </a:prstGeom>
+          <a:noFill/>
+          <a:ln w="28575">
+            <a:solidFill>
+              <a:schemeClr val="tx1"/>
+            </a:solidFill>
+          </a:ln>
+        </p:spPr>
+        <p:style>
+          <a:lnRef idx="2">
+            <a:schemeClr val="accent1">
+              <a:shade val="50000"/>
+            </a:schemeClr>
+          </a:lnRef>
+          <a:fillRef idx="1">
+            <a:schemeClr val="accent1"/>
+          </a:fillRef>
+          <a:effectRef idx="0">
+            <a:schemeClr val="accent1"/>
+          </a:effectRef>
+          <a:fontRef idx="minor">
+            <a:schemeClr val="lt1"/>
+          </a:fontRef>
+        </p:style>
+        <p:txBody>
+          <a:bodyPr rtlCol="0" anchor="ctr"/>
+          <a:lstStyle/>
+          <a:p>
+            <a:pPr algn="ctr"/>
+            <a:endParaRPr kumimoji="1" lang="ja-JP" altLang="en-US">
+              <a:latin typeface="Meiryo UI" panose="020B0604030504040204" pitchFamily="50" charset="-128"/>
+              <a:ea typeface="Meiryo UI" panose="020B0604030504040204" pitchFamily="50" charset="-128"/>
+            </a:endParaRPr>
+          </a:p>
+        </p:txBody>
+      </p:sp>
+    </p:spTree>
+    <p:extLst>
+      <p:ext uri="{BB962C8B-B14F-4D97-AF65-F5344CB8AC3E}">
+        <p14:creationId xmlns:p14="http://schemas.microsoft.com/office/powerpoint/2010/main" val="2310093668"/>
+      </p:ext>
+    </p:extLst>
+  </p:cSld>
+  <p:clrMapOvr>
+    <a:masterClrMapping/>
+  </p:clrMapOvr>
+</p:sld>
+</file>
+
+<file path=ppt/slides/slide8.xml><?xml version="1.0" encoding="utf-8"?>
+<p:sld xmlns:a="http://schemas.openxmlformats.org/drawingml/2006/main" xmlns:r="http://schemas.openxmlformats.org/officeDocument/2006/relationships" xmlns:p="http://schemas.openxmlformats.org/presentationml/2006/main">
+  <p:cSld>
+    <p:spTree>
+      <p:nvGrpSpPr>
+        <p:cNvPr id="1" name=""/>
+        <p:cNvGrpSpPr/>
+        <p:nvPr/>
+      </p:nvGrpSpPr>
+      <p:grpSpPr>
+        <a:xfrm>
+          <a:off x="0" y="0"/>
+          <a:ext cx="0" cy="0"/>
+          <a:chOff x="0" y="0"/>
+          <a:chExt cx="0" cy="0"/>
+        </a:xfrm>
+      </p:grpSpPr>
+      <p:sp>
+        <p:nvSpPr>
+          <p:cNvPr id="2" name="タイトル 1"/>
+          <p:cNvSpPr>
+            <a:spLocks noGrp="1"/>
+          </p:cNvSpPr>
+          <p:nvPr>
+            <p:ph type="ctrTitle"/>
+          </p:nvPr>
+        </p:nvSpPr>
+        <p:spPr>
+          <a:xfrm>
+            <a:off x="0" y="0"/>
+            <a:ext cx="1707776" cy="537883"/>
+          </a:xfrm>
+        </p:spPr>
+        <p:txBody>
+          <a:bodyPr>
+            <a:normAutofit/>
+          </a:bodyPr>
+          <a:lstStyle/>
+          <a:p>
+            <a:r>
+              <a:rPr lang="ja-JP" altLang="en-US" sz="2800" dirty="0" smtClean="0">
+                <a:latin typeface="Meiryo UI" panose="020B0604030504040204" pitchFamily="50" charset="-128"/>
+                <a:ea typeface="Meiryo UI" panose="020B0604030504040204" pitchFamily="50" charset="-128"/>
+              </a:rPr>
+              <a:t>課題</a:t>
+            </a:r>
+            <a:r>
+              <a:rPr lang="en-US" altLang="ja-JP" sz="2800" dirty="0" smtClean="0">
+                <a:latin typeface="Meiryo UI" panose="020B0604030504040204" pitchFamily="50" charset="-128"/>
+                <a:ea typeface="Meiryo UI" panose="020B0604030504040204" pitchFamily="50" charset="-128"/>
+              </a:rPr>
+              <a:t>10</a:t>
+            </a:r>
+            <a:endParaRPr kumimoji="1" lang="ja-JP" altLang="en-US" sz="2800" dirty="0">
+              <a:latin typeface="Meiryo UI" panose="020B0604030504040204" pitchFamily="50" charset="-128"/>
+              <a:ea typeface="Meiryo UI" panose="020B0604030504040204" pitchFamily="50" charset="-128"/>
+            </a:endParaRPr>
+          </a:p>
+        </p:txBody>
+      </p:sp>
+      <p:sp>
+        <p:nvSpPr>
+          <p:cNvPr id="3" name="フローチャート: 端子 2"/>
+          <p:cNvSpPr/>
+          <p:nvPr/>
+        </p:nvSpPr>
+        <p:spPr>
+          <a:xfrm>
+            <a:off x="2252825" y="255483"/>
+            <a:ext cx="1322765" cy="408365"/>
+          </a:xfrm>
+          <a:prstGeom prst="flowChartTerminator">
+            <a:avLst/>
+          </a:prstGeom>
+          <a:noFill/>
+          <a:ln w="28575">
+            <a:solidFill>
+              <a:schemeClr val="tx1"/>
+            </a:solidFill>
+          </a:ln>
+        </p:spPr>
+        <p:style>
+          <a:lnRef idx="2">
+            <a:schemeClr val="accent1">
+              <a:shade val="50000"/>
+            </a:schemeClr>
+          </a:lnRef>
+          <a:fillRef idx="1">
+            <a:schemeClr val="accent1"/>
+          </a:fillRef>
+          <a:effectRef idx="0">
+            <a:schemeClr val="accent1"/>
+          </a:effectRef>
+          <a:fontRef idx="minor">
+            <a:schemeClr val="lt1"/>
+          </a:fontRef>
+        </p:style>
+        <p:txBody>
+          <a:bodyPr rtlCol="0" anchor="ctr"/>
+          <a:lstStyle/>
+          <a:p>
+            <a:pPr algn="ctr"/>
+            <a:r>
+              <a:rPr lang="en-US" altLang="ja-JP" sz="3200" dirty="0">
+                <a:solidFill>
+                  <a:schemeClr val="tx1"/>
+                </a:solidFill>
+                <a:latin typeface="Meiryo UI" panose="020B0604030504040204" pitchFamily="50" charset="-128"/>
+                <a:ea typeface="Meiryo UI" panose="020B0604030504040204" pitchFamily="50" charset="-128"/>
+              </a:rPr>
+              <a:t>s</a:t>
+            </a:r>
+            <a:r>
+              <a:rPr kumimoji="1" lang="en-US" altLang="ja-JP" sz="3200" dirty="0" smtClean="0">
+                <a:solidFill>
+                  <a:schemeClr val="tx1"/>
+                </a:solidFill>
+                <a:latin typeface="Meiryo UI" panose="020B0604030504040204" pitchFamily="50" charset="-128"/>
+                <a:ea typeface="Meiryo UI" panose="020B0604030504040204" pitchFamily="50" charset="-128"/>
+              </a:rPr>
+              <a:t>tart</a:t>
+            </a:r>
+            <a:endParaRPr kumimoji="1" lang="ja-JP" altLang="en-US" sz="3200" dirty="0">
+              <a:solidFill>
+                <a:schemeClr val="tx1"/>
+              </a:solidFill>
+              <a:latin typeface="Meiryo UI" panose="020B0604030504040204" pitchFamily="50" charset="-128"/>
+              <a:ea typeface="Meiryo UI" panose="020B0604030504040204" pitchFamily="50" charset="-128"/>
+            </a:endParaRPr>
+          </a:p>
+        </p:txBody>
+      </p:sp>
+      <p:sp>
+        <p:nvSpPr>
+          <p:cNvPr id="6" name="下矢印 5"/>
+          <p:cNvSpPr/>
+          <p:nvPr/>
+        </p:nvSpPr>
+        <p:spPr>
+          <a:xfrm>
+            <a:off x="2797618" y="739695"/>
+            <a:ext cx="242044" cy="367475"/>
+          </a:xfrm>
+          <a:prstGeom prst="downArrow">
+            <a:avLst/>
+          </a:prstGeom>
+          <a:noFill/>
+          <a:ln w="28575">
+            <a:solidFill>
+              <a:schemeClr val="tx1"/>
+            </a:solidFill>
+          </a:ln>
+        </p:spPr>
+        <p:style>
+          <a:lnRef idx="2">
+            <a:schemeClr val="accent1">
+              <a:shade val="50000"/>
+            </a:schemeClr>
+          </a:lnRef>
+          <a:fillRef idx="1">
+            <a:schemeClr val="accent1"/>
+          </a:fillRef>
+          <a:effectRef idx="0">
+            <a:schemeClr val="accent1"/>
+          </a:effectRef>
+          <a:fontRef idx="minor">
+            <a:schemeClr val="lt1"/>
+          </a:fontRef>
+        </p:style>
+        <p:txBody>
+          <a:bodyPr rtlCol="0" anchor="ctr"/>
+          <a:lstStyle/>
+          <a:p>
+            <a:pPr algn="ctr"/>
+            <a:endParaRPr kumimoji="1" lang="ja-JP" altLang="en-US">
+              <a:latin typeface="Meiryo UI" panose="020B0604030504040204" pitchFamily="50" charset="-128"/>
+              <a:ea typeface="Meiryo UI" panose="020B0604030504040204" pitchFamily="50" charset="-128"/>
+            </a:endParaRPr>
+          </a:p>
+        </p:txBody>
+      </p:sp>
+      <p:sp>
+        <p:nvSpPr>
+          <p:cNvPr id="38" name="フローチャート: 端子 37"/>
+          <p:cNvSpPr/>
+          <p:nvPr/>
+        </p:nvSpPr>
+        <p:spPr>
+          <a:xfrm>
+            <a:off x="3923852" y="6405199"/>
+            <a:ext cx="1322765" cy="408365"/>
+          </a:xfrm>
+          <a:prstGeom prst="flowChartTerminator">
+            <a:avLst/>
+          </a:prstGeom>
+          <a:noFill/>
+          <a:ln w="28575">
+            <a:solidFill>
+              <a:schemeClr val="tx1"/>
+            </a:solidFill>
+          </a:ln>
+        </p:spPr>
+        <p:style>
+          <a:lnRef idx="2">
+            <a:schemeClr val="accent1">
+              <a:shade val="50000"/>
+            </a:schemeClr>
+          </a:lnRef>
+          <a:fillRef idx="1">
+            <a:schemeClr val="accent1"/>
+          </a:fillRef>
+          <a:effectRef idx="0">
+            <a:schemeClr val="accent1"/>
+          </a:effectRef>
+          <a:fontRef idx="minor">
+            <a:schemeClr val="lt1"/>
+          </a:fontRef>
+        </p:style>
+        <p:txBody>
+          <a:bodyPr rtlCol="0" anchor="ctr"/>
+          <a:lstStyle/>
+          <a:p>
+            <a:pPr algn="ctr"/>
+            <a:r>
+              <a:rPr lang="en-US" altLang="ja-JP" sz="3200" dirty="0" smtClean="0">
+                <a:solidFill>
+                  <a:schemeClr val="tx1"/>
+                </a:solidFill>
+                <a:latin typeface="Meiryo UI" panose="020B0604030504040204" pitchFamily="50" charset="-128"/>
+                <a:ea typeface="Meiryo UI" panose="020B0604030504040204" pitchFamily="50" charset="-128"/>
+              </a:rPr>
+              <a:t>end</a:t>
+            </a:r>
+            <a:endParaRPr kumimoji="1" lang="ja-JP" altLang="en-US" sz="3200" dirty="0">
+              <a:solidFill>
+                <a:schemeClr val="tx1"/>
+              </a:solidFill>
+              <a:latin typeface="Meiryo UI" panose="020B0604030504040204" pitchFamily="50" charset="-128"/>
+              <a:ea typeface="Meiryo UI" panose="020B0604030504040204" pitchFamily="50" charset="-128"/>
+            </a:endParaRPr>
+          </a:p>
+        </p:txBody>
+      </p:sp>
+      <p:sp>
+        <p:nvSpPr>
+          <p:cNvPr id="21" name="下矢印 20"/>
+          <p:cNvSpPr/>
+          <p:nvPr/>
+        </p:nvSpPr>
+        <p:spPr>
+          <a:xfrm>
+            <a:off x="2789516" y="1509082"/>
+            <a:ext cx="242044" cy="367475"/>
+          </a:xfrm>
+          <a:prstGeom prst="downArrow">
+            <a:avLst/>
+          </a:prstGeom>
+          <a:noFill/>
+          <a:ln w="28575">
+            <a:solidFill>
+              <a:schemeClr val="tx1"/>
+            </a:solidFill>
+          </a:ln>
+        </p:spPr>
+        <p:style>
+          <a:lnRef idx="2">
+            <a:schemeClr val="accent1">
+              <a:shade val="50000"/>
+            </a:schemeClr>
+          </a:lnRef>
+          <a:fillRef idx="1">
+            <a:schemeClr val="accent1"/>
+          </a:fillRef>
+          <a:effectRef idx="0">
+            <a:schemeClr val="accent1"/>
+          </a:effectRef>
+          <a:fontRef idx="minor">
+            <a:schemeClr val="lt1"/>
+          </a:fontRef>
+        </p:style>
+        <p:txBody>
+          <a:bodyPr rtlCol="0" anchor="ctr"/>
+          <a:lstStyle/>
+          <a:p>
+            <a:pPr algn="ctr"/>
+            <a:endParaRPr kumimoji="1" lang="ja-JP" altLang="en-US">
+              <a:latin typeface="Meiryo UI" panose="020B0604030504040204" pitchFamily="50" charset="-128"/>
+              <a:ea typeface="Meiryo UI" panose="020B0604030504040204" pitchFamily="50" charset="-128"/>
+            </a:endParaRPr>
+          </a:p>
+        </p:txBody>
+      </p:sp>
+      <p:sp>
+        <p:nvSpPr>
+          <p:cNvPr id="32" name="テキスト ボックス 31"/>
+          <p:cNvSpPr txBox="1"/>
+          <p:nvPr/>
+        </p:nvSpPr>
+        <p:spPr>
+          <a:xfrm>
+            <a:off x="4182601" y="3325023"/>
+            <a:ext cx="563224" cy="369332"/>
+          </a:xfrm>
+          <a:prstGeom prst="rect">
+            <a:avLst/>
+          </a:prstGeom>
+          <a:noFill/>
+        </p:spPr>
+        <p:txBody>
+          <a:bodyPr wrap="square" rtlCol="0">
+            <a:spAutoFit/>
+          </a:bodyPr>
+          <a:lstStyle/>
+          <a:p>
+            <a:r>
+              <a:rPr lang="en-US" altLang="ja-JP" dirty="0" smtClean="0">
+                <a:latin typeface="Meiryo UI" panose="020B0604030504040204" pitchFamily="50" charset="-128"/>
+                <a:ea typeface="Meiryo UI" panose="020B0604030504040204" pitchFamily="50" charset="-128"/>
+              </a:rPr>
+              <a:t>no</a:t>
+            </a:r>
+            <a:endParaRPr kumimoji="1" lang="ja-JP" altLang="en-US" dirty="0">
+              <a:latin typeface="Meiryo UI" panose="020B0604030504040204" pitchFamily="50" charset="-128"/>
+              <a:ea typeface="Meiryo UI" panose="020B0604030504040204" pitchFamily="50" charset="-128"/>
+            </a:endParaRPr>
+          </a:p>
+        </p:txBody>
+      </p:sp>
+      <p:sp>
+        <p:nvSpPr>
+          <p:cNvPr id="7" name="右矢印 6"/>
+          <p:cNvSpPr/>
+          <p:nvPr/>
+        </p:nvSpPr>
+        <p:spPr>
+          <a:xfrm>
+            <a:off x="4182601" y="3820167"/>
+            <a:ext cx="429355" cy="256924"/>
+          </a:xfrm>
+          <a:prstGeom prst="rightArrow">
+            <a:avLst/>
+          </a:prstGeom>
+          <a:noFill/>
+          <a:ln w="28575">
+            <a:solidFill>
+              <a:schemeClr val="tx1"/>
+            </a:solidFill>
+          </a:ln>
+        </p:spPr>
+        <p:style>
+          <a:lnRef idx="2">
+            <a:schemeClr val="accent1">
+              <a:shade val="50000"/>
+            </a:schemeClr>
+          </a:lnRef>
+          <a:fillRef idx="1">
+            <a:schemeClr val="accent1"/>
+          </a:fillRef>
+          <a:effectRef idx="0">
+            <a:schemeClr val="accent1"/>
+          </a:effectRef>
+          <a:fontRef idx="minor">
+            <a:schemeClr val="lt1"/>
+          </a:fontRef>
+        </p:style>
+        <p:txBody>
+          <a:bodyPr rtlCol="0" anchor="ctr"/>
+          <a:lstStyle/>
+          <a:p>
+            <a:pPr algn="ctr"/>
+            <a:endParaRPr kumimoji="1" lang="ja-JP" altLang="en-US">
+              <a:latin typeface="Meiryo UI" panose="020B0604030504040204" pitchFamily="50" charset="-128"/>
+              <a:ea typeface="Meiryo UI" panose="020B0604030504040204" pitchFamily="50" charset="-128"/>
+            </a:endParaRPr>
+          </a:p>
+        </p:txBody>
+      </p:sp>
+      <p:sp>
+        <p:nvSpPr>
+          <p:cNvPr id="8" name="片側の 2 つの角を切り取った四角形 7"/>
+          <p:cNvSpPr/>
+          <p:nvPr/>
+        </p:nvSpPr>
+        <p:spPr>
+          <a:xfrm>
+            <a:off x="1924178" y="1957431"/>
+            <a:ext cx="2094350" cy="403007"/>
+          </a:xfrm>
+          <a:prstGeom prst="snip2SameRect">
+            <a:avLst/>
+          </a:prstGeom>
+          <a:noFill/>
+          <a:ln w="28575">
+            <a:solidFill>
+              <a:schemeClr val="tx1"/>
+            </a:solidFill>
+          </a:ln>
+        </p:spPr>
+        <p:style>
+          <a:lnRef idx="2">
+            <a:schemeClr val="accent1">
+              <a:shade val="50000"/>
+            </a:schemeClr>
+          </a:lnRef>
+          <a:fillRef idx="1">
+            <a:schemeClr val="accent1"/>
+          </a:fillRef>
+          <a:effectRef idx="0">
+            <a:schemeClr val="accent1"/>
+          </a:effectRef>
+          <a:fontRef idx="minor">
+            <a:schemeClr val="lt1"/>
+          </a:fontRef>
+        </p:style>
+        <p:txBody>
+          <a:bodyPr rtlCol="0" anchor="ctr"/>
+          <a:lstStyle/>
+          <a:p>
+            <a:pPr algn="ctr"/>
+            <a:r>
+              <a:rPr lang="en-US" altLang="ja-JP" dirty="0" smtClean="0">
+                <a:solidFill>
+                  <a:schemeClr val="tx1"/>
+                </a:solidFill>
+                <a:latin typeface="Meiryo UI" panose="020B0604030504040204" pitchFamily="50" charset="-128"/>
+                <a:ea typeface="Meiryo UI" panose="020B0604030504040204" pitchFamily="50" charset="-128"/>
+              </a:rPr>
+              <a:t>X</a:t>
+            </a:r>
+            <a:r>
+              <a:rPr lang="ja-JP" altLang="en-US" dirty="0" smtClean="0">
+                <a:solidFill>
+                  <a:schemeClr val="tx1"/>
+                </a:solidFill>
+                <a:latin typeface="Meiryo UI" panose="020B0604030504040204" pitchFamily="50" charset="-128"/>
+                <a:ea typeface="Meiryo UI" panose="020B0604030504040204" pitchFamily="50" charset="-128"/>
+              </a:rPr>
+              <a:t>が</a:t>
+            </a:r>
+            <a:r>
+              <a:rPr lang="en-US" altLang="ja-JP" dirty="0" smtClean="0">
+                <a:solidFill>
+                  <a:schemeClr val="tx1"/>
+                </a:solidFill>
+                <a:latin typeface="Meiryo UI" panose="020B0604030504040204" pitchFamily="50" charset="-128"/>
+                <a:ea typeface="Meiryo UI" panose="020B0604030504040204" pitchFamily="50" charset="-128"/>
+              </a:rPr>
+              <a:t>6</a:t>
+            </a:r>
+            <a:r>
+              <a:rPr lang="ja-JP" altLang="en-US" dirty="0" smtClean="0">
+                <a:solidFill>
+                  <a:schemeClr val="tx1"/>
+                </a:solidFill>
+                <a:latin typeface="Meiryo UI" panose="020B0604030504040204" pitchFamily="50" charset="-128"/>
+                <a:ea typeface="Meiryo UI" panose="020B0604030504040204" pitchFamily="50" charset="-128"/>
+              </a:rPr>
+              <a:t>以下</a:t>
+            </a:r>
+            <a:endParaRPr kumimoji="1" lang="ja-JP" altLang="en-US" dirty="0">
+              <a:solidFill>
+                <a:schemeClr val="tx1"/>
+              </a:solidFill>
+              <a:latin typeface="Meiryo UI" panose="020B0604030504040204" pitchFamily="50" charset="-128"/>
+              <a:ea typeface="Meiryo UI" panose="020B0604030504040204" pitchFamily="50" charset="-128"/>
+            </a:endParaRPr>
+          </a:p>
+        </p:txBody>
+      </p:sp>
+      <p:sp>
+        <p:nvSpPr>
+          <p:cNvPr id="34" name="フローチャート: 処理 33"/>
+          <p:cNvSpPr/>
+          <p:nvPr/>
+        </p:nvSpPr>
+        <p:spPr>
+          <a:xfrm>
+            <a:off x="2319212" y="1171692"/>
+            <a:ext cx="1182652" cy="294037"/>
+          </a:xfrm>
+          <a:prstGeom prst="flowChartProcess">
+            <a:avLst/>
+          </a:prstGeom>
+          <a:noFill/>
+          <a:ln w="28575">
+            <a:solidFill>
+              <a:schemeClr val="tx1"/>
+            </a:solidFill>
+          </a:ln>
+        </p:spPr>
+        <p:style>
+          <a:lnRef idx="2">
+            <a:schemeClr val="accent1">
+              <a:shade val="50000"/>
+            </a:schemeClr>
+          </a:lnRef>
+          <a:fillRef idx="1">
+            <a:schemeClr val="accent1"/>
+          </a:fillRef>
+          <a:effectRef idx="0">
+            <a:schemeClr val="accent1"/>
+          </a:effectRef>
+          <a:fontRef idx="minor">
+            <a:schemeClr val="lt1"/>
+          </a:fontRef>
+        </p:style>
+        <p:txBody>
+          <a:bodyPr rtlCol="0" anchor="ctr"/>
+          <a:lstStyle/>
+          <a:p>
+            <a:pPr algn="ctr"/>
+            <a:r>
+              <a:rPr lang="en-US" altLang="ja-JP" dirty="0" smtClean="0">
+                <a:solidFill>
+                  <a:schemeClr val="tx1"/>
+                </a:solidFill>
+                <a:latin typeface="Meiryo UI" panose="020B0604030504040204" pitchFamily="50" charset="-128"/>
+                <a:ea typeface="Meiryo UI" panose="020B0604030504040204" pitchFamily="50" charset="-128"/>
+              </a:rPr>
+              <a:t>X</a:t>
+            </a:r>
+            <a:r>
+              <a:rPr lang="ja-JP" altLang="en-US" dirty="0" smtClean="0">
+                <a:solidFill>
+                  <a:schemeClr val="tx1"/>
+                </a:solidFill>
+                <a:latin typeface="Meiryo UI" panose="020B0604030504040204" pitchFamily="50" charset="-128"/>
+                <a:ea typeface="Meiryo UI" panose="020B0604030504040204" pitchFamily="50" charset="-128"/>
+              </a:rPr>
+              <a:t>≧</a:t>
+            </a:r>
+            <a:r>
+              <a:rPr lang="en-US" altLang="ja-JP" dirty="0" smtClean="0">
+                <a:solidFill>
+                  <a:schemeClr val="tx1"/>
+                </a:solidFill>
+                <a:latin typeface="Meiryo UI" panose="020B0604030504040204" pitchFamily="50" charset="-128"/>
+                <a:ea typeface="Meiryo UI" panose="020B0604030504040204" pitchFamily="50" charset="-128"/>
+              </a:rPr>
+              <a:t>1</a:t>
+            </a:r>
+          </a:p>
+        </p:txBody>
+      </p:sp>
+      <p:sp>
+        <p:nvSpPr>
+          <p:cNvPr id="39" name="フローチャート: 処理 38"/>
+          <p:cNvSpPr/>
+          <p:nvPr/>
+        </p:nvSpPr>
+        <p:spPr>
+          <a:xfrm>
+            <a:off x="4843474" y="3643914"/>
+            <a:ext cx="2257752" cy="608379"/>
+          </a:xfrm>
+          <a:prstGeom prst="flowChartProcess">
+            <a:avLst/>
+          </a:prstGeom>
+          <a:noFill/>
+          <a:ln w="28575">
+            <a:solidFill>
+              <a:schemeClr val="tx1"/>
+            </a:solidFill>
+          </a:ln>
+        </p:spPr>
+        <p:style>
+          <a:lnRef idx="2">
+            <a:schemeClr val="accent1">
+              <a:shade val="50000"/>
+            </a:schemeClr>
+          </a:lnRef>
+          <a:fillRef idx="1">
+            <a:schemeClr val="accent1"/>
+          </a:fillRef>
+          <a:effectRef idx="0">
+            <a:schemeClr val="accent1"/>
+          </a:effectRef>
+          <a:fontRef idx="minor">
+            <a:schemeClr val="lt1"/>
+          </a:fontRef>
+        </p:style>
+        <p:txBody>
+          <a:bodyPr rtlCol="0" anchor="ctr"/>
+          <a:lstStyle/>
+          <a:p>
+            <a:pPr algn="ctr"/>
+            <a:r>
+              <a:rPr lang="ja-JP" altLang="en-US" dirty="0" smtClean="0">
+                <a:solidFill>
+                  <a:schemeClr val="tx1"/>
+                </a:solidFill>
+                <a:latin typeface="Meiryo UI" panose="020B0604030504040204" pitchFamily="50" charset="-128"/>
+                <a:ea typeface="Meiryo UI" panose="020B0604030504040204" pitchFamily="50" charset="-128"/>
+              </a:rPr>
+              <a:t>「この数字は奇数です」と表示</a:t>
+            </a:r>
+            <a:endParaRPr lang="en-US" altLang="ja-JP" dirty="0" smtClean="0">
+              <a:solidFill>
+                <a:schemeClr val="tx1"/>
+              </a:solidFill>
+              <a:latin typeface="Meiryo UI" panose="020B0604030504040204" pitchFamily="50" charset="-128"/>
+              <a:ea typeface="Meiryo UI" panose="020B0604030504040204" pitchFamily="50" charset="-128"/>
+            </a:endParaRPr>
+          </a:p>
+        </p:txBody>
+      </p:sp>
+      <p:sp>
+        <p:nvSpPr>
+          <p:cNvPr id="40" name="片側の 2 つの角を切り取った四角形 39"/>
+          <p:cNvSpPr/>
+          <p:nvPr/>
+        </p:nvSpPr>
+        <p:spPr>
+          <a:xfrm rot="10800000">
+            <a:off x="3628557" y="5700974"/>
+            <a:ext cx="1966797" cy="306038"/>
+          </a:xfrm>
+          <a:prstGeom prst="snip2SameRect">
+            <a:avLst/>
+          </a:prstGeom>
+          <a:noFill/>
+          <a:ln w="28575">
+            <a:solidFill>
+              <a:schemeClr val="tx1"/>
+            </a:solidFill>
+          </a:ln>
+        </p:spPr>
+        <p:style>
+          <a:lnRef idx="2">
+            <a:schemeClr val="accent1">
+              <a:shade val="50000"/>
+            </a:schemeClr>
+          </a:lnRef>
+          <a:fillRef idx="1">
+            <a:schemeClr val="accent1"/>
+          </a:fillRef>
+          <a:effectRef idx="0">
+            <a:schemeClr val="accent1"/>
+          </a:effectRef>
+          <a:fontRef idx="minor">
+            <a:schemeClr val="lt1"/>
+          </a:fontRef>
+        </p:style>
+        <p:txBody>
+          <a:bodyPr rtlCol="0" anchor="ctr"/>
+          <a:lstStyle/>
+          <a:p>
+            <a:pPr algn="ctr"/>
+            <a:endParaRPr kumimoji="1" lang="ja-JP" altLang="en-US" dirty="0">
+              <a:solidFill>
+                <a:schemeClr val="tx1"/>
+              </a:solidFill>
+            </a:endParaRPr>
+          </a:p>
+        </p:txBody>
+      </p:sp>
+      <p:sp>
+        <p:nvSpPr>
+          <p:cNvPr id="41" name="下矢印 40"/>
+          <p:cNvSpPr/>
+          <p:nvPr/>
+        </p:nvSpPr>
+        <p:spPr>
+          <a:xfrm>
+            <a:off x="5219328" y="4362478"/>
+            <a:ext cx="267072" cy="940310"/>
+          </a:xfrm>
+          <a:prstGeom prst="downArrow">
+            <a:avLst/>
+          </a:prstGeom>
+          <a:noFill/>
+          <a:ln w="28575">
+            <a:solidFill>
+              <a:schemeClr val="tx1"/>
+            </a:solidFill>
+          </a:ln>
+        </p:spPr>
+        <p:style>
+          <a:lnRef idx="2">
+            <a:schemeClr val="accent1">
+              <a:shade val="50000"/>
+            </a:schemeClr>
+          </a:lnRef>
+          <a:fillRef idx="1">
+            <a:schemeClr val="accent1"/>
+          </a:fillRef>
+          <a:effectRef idx="0">
+            <a:schemeClr val="accent1"/>
+          </a:effectRef>
+          <a:fontRef idx="minor">
+            <a:schemeClr val="lt1"/>
+          </a:fontRef>
+        </p:style>
+        <p:txBody>
+          <a:bodyPr rtlCol="0" anchor="ctr"/>
+          <a:lstStyle/>
+          <a:p>
+            <a:pPr algn="ctr"/>
+            <a:endParaRPr kumimoji="1" lang="ja-JP" altLang="en-US">
+              <a:latin typeface="Meiryo UI" panose="020B0604030504040204" pitchFamily="50" charset="-128"/>
+              <a:ea typeface="Meiryo UI" panose="020B0604030504040204" pitchFamily="50" charset="-128"/>
+            </a:endParaRPr>
+          </a:p>
+        </p:txBody>
+      </p:sp>
+      <p:sp>
+        <p:nvSpPr>
+          <p:cNvPr id="24" name="フローチャート: 処理 23"/>
+          <p:cNvSpPr/>
+          <p:nvPr/>
+        </p:nvSpPr>
+        <p:spPr>
+          <a:xfrm>
+            <a:off x="2204538" y="2852140"/>
+            <a:ext cx="1390472" cy="318000"/>
+          </a:xfrm>
+          <a:prstGeom prst="flowChartProcess">
+            <a:avLst/>
+          </a:prstGeom>
+          <a:noFill/>
+          <a:ln w="28575">
+            <a:solidFill>
+              <a:schemeClr val="tx1"/>
+            </a:solidFill>
+          </a:ln>
+        </p:spPr>
+        <p:style>
+          <a:lnRef idx="2">
+            <a:schemeClr val="accent1">
+              <a:shade val="50000"/>
+            </a:schemeClr>
+          </a:lnRef>
+          <a:fillRef idx="1">
+            <a:schemeClr val="accent1"/>
+          </a:fillRef>
+          <a:effectRef idx="0">
+            <a:schemeClr val="accent1"/>
+          </a:effectRef>
+          <a:fontRef idx="minor">
+            <a:schemeClr val="lt1"/>
+          </a:fontRef>
+        </p:style>
+        <p:txBody>
+          <a:bodyPr rtlCol="0" anchor="ctr"/>
+          <a:lstStyle/>
+          <a:p>
+            <a:pPr algn="ctr"/>
+            <a:r>
+              <a:rPr lang="en-US" altLang="ja-JP" dirty="0" smtClean="0">
+                <a:solidFill>
+                  <a:schemeClr val="tx1"/>
+                </a:solidFill>
+                <a:latin typeface="Meiryo UI" panose="020B0604030504040204" pitchFamily="50" charset="-128"/>
+                <a:ea typeface="Meiryo UI" panose="020B0604030504040204" pitchFamily="50" charset="-128"/>
+              </a:rPr>
+              <a:t>X</a:t>
+            </a:r>
+            <a:r>
+              <a:rPr lang="ja-JP" altLang="en-US" dirty="0" smtClean="0">
+                <a:solidFill>
+                  <a:schemeClr val="tx1"/>
+                </a:solidFill>
+                <a:latin typeface="Meiryo UI" panose="020B0604030504040204" pitchFamily="50" charset="-128"/>
+                <a:ea typeface="Meiryo UI" panose="020B0604030504040204" pitchFamily="50" charset="-128"/>
+              </a:rPr>
+              <a:t>に</a:t>
+            </a:r>
+            <a:r>
+              <a:rPr lang="en-US" altLang="ja-JP" dirty="0" smtClean="0">
+                <a:solidFill>
+                  <a:schemeClr val="tx1"/>
+                </a:solidFill>
+                <a:latin typeface="Meiryo UI" panose="020B0604030504040204" pitchFamily="50" charset="-128"/>
+                <a:ea typeface="Meiryo UI" panose="020B0604030504040204" pitchFamily="50" charset="-128"/>
+              </a:rPr>
+              <a:t>1</a:t>
+            </a:r>
+            <a:r>
+              <a:rPr lang="ja-JP" altLang="en-US" dirty="0" smtClean="0">
+                <a:solidFill>
+                  <a:schemeClr val="tx1"/>
+                </a:solidFill>
+                <a:latin typeface="Meiryo UI" panose="020B0604030504040204" pitchFamily="50" charset="-128"/>
+                <a:ea typeface="Meiryo UI" panose="020B0604030504040204" pitchFamily="50" charset="-128"/>
+              </a:rPr>
+              <a:t>をプラス</a:t>
+            </a:r>
+            <a:endParaRPr lang="en-US" altLang="ja-JP" dirty="0" smtClean="0">
+              <a:solidFill>
+                <a:schemeClr val="tx1"/>
+              </a:solidFill>
+              <a:latin typeface="Meiryo UI" panose="020B0604030504040204" pitchFamily="50" charset="-128"/>
+              <a:ea typeface="Meiryo UI" panose="020B0604030504040204" pitchFamily="50" charset="-128"/>
+            </a:endParaRPr>
+          </a:p>
+        </p:txBody>
+      </p:sp>
+      <p:sp>
+        <p:nvSpPr>
+          <p:cNvPr id="25" name="下矢印 24"/>
+          <p:cNvSpPr/>
+          <p:nvPr/>
+        </p:nvSpPr>
+        <p:spPr>
+          <a:xfrm>
+            <a:off x="2789069" y="2419308"/>
+            <a:ext cx="242044" cy="367475"/>
+          </a:xfrm>
+          <a:prstGeom prst="downArrow">
+            <a:avLst/>
+          </a:prstGeom>
+          <a:noFill/>
+          <a:ln w="28575">
+            <a:solidFill>
+              <a:schemeClr val="tx1"/>
+            </a:solidFill>
+          </a:ln>
+        </p:spPr>
+        <p:style>
+          <a:lnRef idx="2">
+            <a:schemeClr val="accent1">
+              <a:shade val="50000"/>
+            </a:schemeClr>
+          </a:lnRef>
+          <a:fillRef idx="1">
+            <a:schemeClr val="accent1"/>
+          </a:fillRef>
+          <a:effectRef idx="0">
+            <a:schemeClr val="accent1"/>
+          </a:effectRef>
+          <a:fontRef idx="minor">
+            <a:schemeClr val="lt1"/>
+          </a:fontRef>
+        </p:style>
+        <p:txBody>
+          <a:bodyPr rtlCol="0" anchor="ctr"/>
+          <a:lstStyle/>
+          <a:p>
+            <a:pPr algn="ctr"/>
+            <a:endParaRPr kumimoji="1" lang="ja-JP" altLang="en-US">
+              <a:latin typeface="Meiryo UI" panose="020B0604030504040204" pitchFamily="50" charset="-128"/>
+              <a:ea typeface="Meiryo UI" panose="020B0604030504040204" pitchFamily="50" charset="-128"/>
+            </a:endParaRPr>
+          </a:p>
+        </p:txBody>
+      </p:sp>
+      <p:sp>
+        <p:nvSpPr>
+          <p:cNvPr id="27" name="フローチャート: 判断 26"/>
+          <p:cNvSpPr/>
+          <p:nvPr/>
+        </p:nvSpPr>
+        <p:spPr>
+          <a:xfrm>
+            <a:off x="1886633" y="3694355"/>
+            <a:ext cx="2169439" cy="508548"/>
+          </a:xfrm>
+          <a:prstGeom prst="flowChartDecision">
+            <a:avLst/>
+          </a:prstGeom>
+          <a:noFill/>
+          <a:ln w="28575">
+            <a:solidFill>
+              <a:schemeClr val="tx1"/>
+            </a:solidFill>
+          </a:ln>
+        </p:spPr>
+        <p:style>
+          <a:lnRef idx="2">
+            <a:schemeClr val="accent1">
+              <a:shade val="50000"/>
+            </a:schemeClr>
+          </a:lnRef>
+          <a:fillRef idx="1">
+            <a:schemeClr val="accent1"/>
+          </a:fillRef>
+          <a:effectRef idx="0">
+            <a:schemeClr val="accent1"/>
+          </a:effectRef>
+          <a:fontRef idx="minor">
+            <a:schemeClr val="lt1"/>
+          </a:fontRef>
+        </p:style>
+        <p:txBody>
+          <a:bodyPr rtlCol="0" anchor="ctr"/>
+          <a:lstStyle/>
+          <a:p>
+            <a:pPr algn="ctr"/>
+            <a:r>
+              <a:rPr lang="en-US" altLang="ja-JP" dirty="0" smtClean="0">
+                <a:solidFill>
+                  <a:schemeClr val="tx1"/>
+                </a:solidFill>
+                <a:latin typeface="Meiryo UI" panose="020B0604030504040204" pitchFamily="50" charset="-128"/>
+                <a:ea typeface="Meiryo UI" panose="020B0604030504040204" pitchFamily="50" charset="-128"/>
+              </a:rPr>
+              <a:t>X</a:t>
+            </a:r>
+            <a:r>
+              <a:rPr lang="ja-JP" altLang="en-US" dirty="0" smtClean="0">
+                <a:solidFill>
+                  <a:schemeClr val="tx1"/>
+                </a:solidFill>
+                <a:latin typeface="Meiryo UI" panose="020B0604030504040204" pitchFamily="50" charset="-128"/>
+                <a:ea typeface="Meiryo UI" panose="020B0604030504040204" pitchFamily="50" charset="-128"/>
+              </a:rPr>
+              <a:t>が偶数</a:t>
+            </a:r>
+            <a:endParaRPr kumimoji="1" lang="ja-JP" altLang="en-US" dirty="0">
+              <a:solidFill>
+                <a:schemeClr val="tx1"/>
+              </a:solidFill>
+              <a:latin typeface="Meiryo UI" panose="020B0604030504040204" pitchFamily="50" charset="-128"/>
+              <a:ea typeface="Meiryo UI" panose="020B0604030504040204" pitchFamily="50" charset="-128"/>
+            </a:endParaRPr>
+          </a:p>
+        </p:txBody>
+      </p:sp>
+      <p:sp>
+        <p:nvSpPr>
+          <p:cNvPr id="28" name="下矢印 27"/>
+          <p:cNvSpPr/>
+          <p:nvPr/>
+        </p:nvSpPr>
+        <p:spPr>
+          <a:xfrm>
+            <a:off x="2797618" y="3236538"/>
+            <a:ext cx="242044" cy="367475"/>
+          </a:xfrm>
+          <a:prstGeom prst="downArrow">
+            <a:avLst/>
+          </a:prstGeom>
+          <a:noFill/>
+          <a:ln w="28575">
+            <a:solidFill>
+              <a:schemeClr val="tx1"/>
+            </a:solidFill>
+          </a:ln>
+        </p:spPr>
+        <p:style>
+          <a:lnRef idx="2">
+            <a:schemeClr val="accent1">
+              <a:shade val="50000"/>
+            </a:schemeClr>
+          </a:lnRef>
+          <a:fillRef idx="1">
+            <a:schemeClr val="accent1"/>
+          </a:fillRef>
+          <a:effectRef idx="0">
+            <a:schemeClr val="accent1"/>
+          </a:effectRef>
+          <a:fontRef idx="minor">
+            <a:schemeClr val="lt1"/>
+          </a:fontRef>
+        </p:style>
+        <p:txBody>
+          <a:bodyPr rtlCol="0" anchor="ctr"/>
+          <a:lstStyle/>
+          <a:p>
+            <a:pPr algn="ctr"/>
+            <a:endParaRPr kumimoji="1" lang="ja-JP" altLang="en-US">
+              <a:latin typeface="Meiryo UI" panose="020B0604030504040204" pitchFamily="50" charset="-128"/>
+              <a:ea typeface="Meiryo UI" panose="020B0604030504040204" pitchFamily="50" charset="-128"/>
+            </a:endParaRPr>
+          </a:p>
+        </p:txBody>
+      </p:sp>
+      <p:sp>
+        <p:nvSpPr>
+          <p:cNvPr id="29" name="下矢印 28"/>
+          <p:cNvSpPr/>
+          <p:nvPr/>
+        </p:nvSpPr>
+        <p:spPr>
+          <a:xfrm>
+            <a:off x="2798246" y="4293245"/>
+            <a:ext cx="242044" cy="367475"/>
+          </a:xfrm>
+          <a:prstGeom prst="downArrow">
+            <a:avLst/>
+          </a:prstGeom>
+          <a:noFill/>
+          <a:ln w="28575">
+            <a:solidFill>
+              <a:schemeClr val="tx1"/>
+            </a:solidFill>
+          </a:ln>
+        </p:spPr>
+        <p:style>
+          <a:lnRef idx="2">
+            <a:schemeClr val="accent1">
+              <a:shade val="50000"/>
+            </a:schemeClr>
+          </a:lnRef>
+          <a:fillRef idx="1">
+            <a:schemeClr val="accent1"/>
+          </a:fillRef>
+          <a:effectRef idx="0">
+            <a:schemeClr val="accent1"/>
+          </a:effectRef>
+          <a:fontRef idx="minor">
+            <a:schemeClr val="lt1"/>
+          </a:fontRef>
+        </p:style>
+        <p:txBody>
+          <a:bodyPr rtlCol="0" anchor="ctr"/>
+          <a:lstStyle/>
+          <a:p>
+            <a:pPr algn="ctr"/>
+            <a:endParaRPr kumimoji="1" lang="ja-JP" altLang="en-US">
+              <a:latin typeface="Meiryo UI" panose="020B0604030504040204" pitchFamily="50" charset="-128"/>
+              <a:ea typeface="Meiryo UI" panose="020B0604030504040204" pitchFamily="50" charset="-128"/>
+            </a:endParaRPr>
+          </a:p>
+        </p:txBody>
+      </p:sp>
+      <p:sp>
+        <p:nvSpPr>
+          <p:cNvPr id="30" name="テキスト ボックス 29"/>
+          <p:cNvSpPr txBox="1"/>
+          <p:nvPr/>
+        </p:nvSpPr>
+        <p:spPr>
+          <a:xfrm>
+            <a:off x="3078419" y="4252293"/>
+            <a:ext cx="660676" cy="369332"/>
+          </a:xfrm>
+          <a:prstGeom prst="rect">
+            <a:avLst/>
+          </a:prstGeom>
+          <a:noFill/>
+        </p:spPr>
+        <p:txBody>
+          <a:bodyPr wrap="square" rtlCol="0">
+            <a:spAutoFit/>
+          </a:bodyPr>
+          <a:lstStyle/>
+          <a:p>
+            <a:r>
+              <a:rPr lang="en-US" altLang="ja-JP" dirty="0" smtClean="0">
+                <a:latin typeface="Meiryo UI" panose="020B0604030504040204" pitchFamily="50" charset="-128"/>
+                <a:ea typeface="Meiryo UI" panose="020B0604030504040204" pitchFamily="50" charset="-128"/>
+              </a:rPr>
+              <a:t>yes</a:t>
+            </a:r>
+            <a:endParaRPr kumimoji="1" lang="ja-JP" altLang="en-US" dirty="0">
+              <a:latin typeface="Meiryo UI" panose="020B0604030504040204" pitchFamily="50" charset="-128"/>
+              <a:ea typeface="Meiryo UI" panose="020B0604030504040204" pitchFamily="50" charset="-128"/>
+            </a:endParaRPr>
+          </a:p>
+        </p:txBody>
+      </p:sp>
+      <p:sp>
+        <p:nvSpPr>
+          <p:cNvPr id="31" name="フローチャート: 処理 30"/>
+          <p:cNvSpPr/>
+          <p:nvPr/>
+        </p:nvSpPr>
+        <p:spPr>
+          <a:xfrm>
+            <a:off x="1880773" y="4772478"/>
+            <a:ext cx="2257752" cy="530310"/>
+          </a:xfrm>
+          <a:prstGeom prst="flowChartProcess">
+            <a:avLst/>
+          </a:prstGeom>
+          <a:noFill/>
+          <a:ln w="28575">
+            <a:solidFill>
+              <a:schemeClr val="tx1"/>
+            </a:solidFill>
+          </a:ln>
+        </p:spPr>
+        <p:style>
+          <a:lnRef idx="2">
+            <a:schemeClr val="accent1">
+              <a:shade val="50000"/>
+            </a:schemeClr>
+          </a:lnRef>
+          <a:fillRef idx="1">
+            <a:schemeClr val="accent1"/>
+          </a:fillRef>
+          <a:effectRef idx="0">
+            <a:schemeClr val="accent1"/>
+          </a:effectRef>
+          <a:fontRef idx="minor">
+            <a:schemeClr val="lt1"/>
+          </a:fontRef>
+        </p:style>
+        <p:txBody>
+          <a:bodyPr rtlCol="0" anchor="ctr"/>
+          <a:lstStyle/>
+          <a:p>
+            <a:pPr algn="ctr"/>
+            <a:r>
+              <a:rPr lang="ja-JP" altLang="en-US" dirty="0" smtClean="0">
+                <a:solidFill>
+                  <a:schemeClr val="tx1"/>
+                </a:solidFill>
+                <a:latin typeface="Meiryo UI" panose="020B0604030504040204" pitchFamily="50" charset="-128"/>
+                <a:ea typeface="Meiryo UI" panose="020B0604030504040204" pitchFamily="50" charset="-128"/>
+              </a:rPr>
+              <a:t>「この数字は偶数です」と表示</a:t>
+            </a:r>
+            <a:endParaRPr lang="en-US" altLang="ja-JP" dirty="0" smtClean="0">
+              <a:solidFill>
+                <a:schemeClr val="tx1"/>
+              </a:solidFill>
+              <a:latin typeface="Meiryo UI" panose="020B0604030504040204" pitchFamily="50" charset="-128"/>
+              <a:ea typeface="Meiryo UI" panose="020B0604030504040204" pitchFamily="50" charset="-128"/>
+            </a:endParaRPr>
+          </a:p>
+        </p:txBody>
+      </p:sp>
+      <p:sp>
+        <p:nvSpPr>
+          <p:cNvPr id="33" name="屈折矢印 32"/>
+          <p:cNvSpPr/>
+          <p:nvPr/>
+        </p:nvSpPr>
+        <p:spPr>
+          <a:xfrm rot="16200000" flipH="1" flipV="1">
+            <a:off x="2807651" y="5394610"/>
+            <a:ext cx="687604" cy="593539"/>
+          </a:xfrm>
+          <a:prstGeom prst="bentUpArrow">
+            <a:avLst/>
+          </a:prstGeom>
+          <a:noFill/>
+          <a:ln w="28575">
+            <a:solidFill>
+              <a:schemeClr val="tx1"/>
+            </a:solidFill>
+          </a:ln>
+        </p:spPr>
+        <p:style>
+          <a:lnRef idx="2">
+            <a:schemeClr val="accent1">
+              <a:shade val="50000"/>
+            </a:schemeClr>
+          </a:lnRef>
+          <a:fillRef idx="1">
+            <a:schemeClr val="accent1"/>
+          </a:fillRef>
+          <a:effectRef idx="0">
+            <a:schemeClr val="accent1"/>
+          </a:effectRef>
+          <a:fontRef idx="minor">
+            <a:schemeClr val="lt1"/>
+          </a:fontRef>
+        </p:style>
+        <p:txBody>
+          <a:bodyPr rtlCol="0" anchor="ctr"/>
+          <a:lstStyle/>
+          <a:p>
+            <a:pPr algn="ctr"/>
+            <a:endParaRPr kumimoji="1" lang="ja-JP" altLang="en-US">
+              <a:latin typeface="Meiryo UI" panose="020B0604030504040204" pitchFamily="50" charset="-128"/>
+              <a:ea typeface="Meiryo UI" panose="020B0604030504040204" pitchFamily="50" charset="-128"/>
+            </a:endParaRPr>
+          </a:p>
+        </p:txBody>
+      </p:sp>
+      <p:sp>
+        <p:nvSpPr>
+          <p:cNvPr id="42" name="下矢印 41"/>
+          <p:cNvSpPr/>
+          <p:nvPr/>
+        </p:nvSpPr>
+        <p:spPr>
+          <a:xfrm>
+            <a:off x="4477764" y="6111880"/>
+            <a:ext cx="214939" cy="216621"/>
+          </a:xfrm>
+          <a:prstGeom prst="downArrow">
+            <a:avLst/>
+          </a:prstGeom>
+          <a:noFill/>
+          <a:ln w="28575">
+            <a:solidFill>
+              <a:schemeClr val="tx1"/>
+            </a:solidFill>
+          </a:ln>
+        </p:spPr>
+        <p:style>
+          <a:lnRef idx="2">
+            <a:schemeClr val="accent1">
+              <a:shade val="50000"/>
+            </a:schemeClr>
+          </a:lnRef>
+          <a:fillRef idx="1">
+            <a:schemeClr val="accent1"/>
+          </a:fillRef>
+          <a:effectRef idx="0">
+            <a:schemeClr val="accent1"/>
+          </a:effectRef>
+          <a:fontRef idx="minor">
+            <a:schemeClr val="lt1"/>
+          </a:fontRef>
+        </p:style>
+        <p:txBody>
+          <a:bodyPr rtlCol="0" anchor="ctr"/>
+          <a:lstStyle/>
+          <a:p>
+            <a:pPr algn="ctr"/>
+            <a:endParaRPr kumimoji="1" lang="ja-JP" altLang="en-US">
+              <a:latin typeface="Meiryo UI" panose="020B0604030504040204" pitchFamily="50" charset="-128"/>
+              <a:ea typeface="Meiryo UI" panose="020B0604030504040204" pitchFamily="50" charset="-128"/>
+            </a:endParaRPr>
+          </a:p>
+        </p:txBody>
+      </p:sp>
+    </p:spTree>
+    <p:extLst>
+      <p:ext uri="{BB962C8B-B14F-4D97-AF65-F5344CB8AC3E}">
+        <p14:creationId xmlns:p14="http://schemas.microsoft.com/office/powerpoint/2010/main" val="3669572873"/>
+      </p:ext>
+    </p:extLst>
+  </p:cSld>
+  <p:clrMapOvr>
+    <a:masterClrMapping/>
+  </p:clrMapOvr>
+</p:sld>
+</file>
+
+<file path=ppt/slides/slide9.xml><?xml version="1.0" encoding="utf-8"?>
+<p:sld xmlns:a="http://schemas.openxmlformats.org/drawingml/2006/main" xmlns:r="http://schemas.openxmlformats.org/officeDocument/2006/relationships" xmlns:p="http://schemas.openxmlformats.org/presentationml/2006/main">
+  <p:cSld>
+    <p:spTree>
+      <p:nvGrpSpPr>
+        <p:cNvPr id="1" name=""/>
+        <p:cNvGrpSpPr/>
+        <p:nvPr/>
+      </p:nvGrpSpPr>
+      <p:grpSpPr>
+        <a:xfrm>
+          <a:off x="0" y="0"/>
+          <a:ext cx="0" cy="0"/>
+          <a:chOff x="0" y="0"/>
+          <a:chExt cx="0" cy="0"/>
+        </a:xfrm>
+      </p:grpSpPr>
+      <p:sp>
+        <p:nvSpPr>
+          <p:cNvPr id="2" name="タイトル 1"/>
+          <p:cNvSpPr>
+            <a:spLocks noGrp="1"/>
+          </p:cNvSpPr>
+          <p:nvPr>
+            <p:ph type="ctrTitle"/>
+          </p:nvPr>
+        </p:nvSpPr>
+        <p:spPr>
+          <a:xfrm>
+            <a:off x="0" y="0"/>
+            <a:ext cx="1707776" cy="537883"/>
+          </a:xfrm>
+        </p:spPr>
+        <p:txBody>
+          <a:bodyPr>
+            <a:normAutofit/>
+          </a:bodyPr>
+          <a:lstStyle/>
+          <a:p>
+            <a:r>
+              <a:rPr lang="ja-JP" altLang="en-US" sz="2800" dirty="0" smtClean="0">
+                <a:latin typeface="Meiryo UI" panose="020B0604030504040204" pitchFamily="50" charset="-128"/>
+                <a:ea typeface="Meiryo UI" panose="020B0604030504040204" pitchFamily="50" charset="-128"/>
+              </a:rPr>
+              <a:t>課題</a:t>
+            </a:r>
+            <a:r>
+              <a:rPr lang="en-US" altLang="ja-JP" sz="2800" dirty="0">
+                <a:latin typeface="Meiryo UI" panose="020B0604030504040204" pitchFamily="50" charset="-128"/>
+                <a:ea typeface="Meiryo UI" panose="020B0604030504040204" pitchFamily="50" charset="-128"/>
+              </a:rPr>
+              <a:t>11</a:t>
+            </a:r>
+            <a:endParaRPr kumimoji="1" lang="ja-JP" altLang="en-US" sz="2800" dirty="0">
+              <a:latin typeface="Meiryo UI" panose="020B0604030504040204" pitchFamily="50" charset="-128"/>
+              <a:ea typeface="Meiryo UI" panose="020B0604030504040204" pitchFamily="50" charset="-128"/>
+            </a:endParaRPr>
+          </a:p>
+        </p:txBody>
+      </p:sp>
+      <p:sp>
+        <p:nvSpPr>
+          <p:cNvPr id="3" name="フローチャート: 端子 2"/>
+          <p:cNvSpPr/>
+          <p:nvPr/>
+        </p:nvSpPr>
+        <p:spPr>
+          <a:xfrm>
+            <a:off x="2346745" y="116961"/>
+            <a:ext cx="825594" cy="408365"/>
+          </a:xfrm>
+          <a:prstGeom prst="flowChartTerminator">
+            <a:avLst/>
+          </a:prstGeom>
+          <a:noFill/>
+          <a:ln w="28575">
+            <a:solidFill>
+              <a:schemeClr val="tx1"/>
+            </a:solidFill>
+          </a:ln>
+        </p:spPr>
+        <p:style>
+          <a:lnRef idx="2">
+            <a:schemeClr val="accent1">
+              <a:shade val="50000"/>
+            </a:schemeClr>
+          </a:lnRef>
+          <a:fillRef idx="1">
+            <a:schemeClr val="accent1"/>
+          </a:fillRef>
+          <a:effectRef idx="0">
+            <a:schemeClr val="accent1"/>
+          </a:effectRef>
+          <a:fontRef idx="minor">
+            <a:schemeClr val="lt1"/>
+          </a:fontRef>
+        </p:style>
+        <p:txBody>
+          <a:bodyPr rtlCol="0" anchor="ctr"/>
+          <a:lstStyle/>
+          <a:p>
+            <a:pPr algn="ctr"/>
+            <a:r>
+              <a:rPr lang="en-US" altLang="ja-JP" dirty="0">
+                <a:solidFill>
+                  <a:schemeClr val="tx1"/>
+                </a:solidFill>
+                <a:latin typeface="Meiryo UI" panose="020B0604030504040204" pitchFamily="50" charset="-128"/>
+                <a:ea typeface="Meiryo UI" panose="020B0604030504040204" pitchFamily="50" charset="-128"/>
+              </a:rPr>
+              <a:t>s</a:t>
+            </a:r>
+            <a:r>
+              <a:rPr kumimoji="1" lang="en-US" altLang="ja-JP" dirty="0" smtClean="0">
+                <a:solidFill>
+                  <a:schemeClr val="tx1"/>
+                </a:solidFill>
+                <a:latin typeface="Meiryo UI" panose="020B0604030504040204" pitchFamily="50" charset="-128"/>
+                <a:ea typeface="Meiryo UI" panose="020B0604030504040204" pitchFamily="50" charset="-128"/>
+              </a:rPr>
+              <a:t>tart</a:t>
+            </a:r>
+            <a:endParaRPr kumimoji="1" lang="ja-JP" altLang="en-US" dirty="0">
+              <a:solidFill>
+                <a:schemeClr val="tx1"/>
+              </a:solidFill>
+              <a:latin typeface="Meiryo UI" panose="020B0604030504040204" pitchFamily="50" charset="-128"/>
+              <a:ea typeface="Meiryo UI" panose="020B0604030504040204" pitchFamily="50" charset="-128"/>
+            </a:endParaRPr>
+          </a:p>
+        </p:txBody>
+      </p:sp>
+      <p:sp>
+        <p:nvSpPr>
+          <p:cNvPr id="6" name="下矢印 5"/>
+          <p:cNvSpPr/>
+          <p:nvPr/>
+        </p:nvSpPr>
+        <p:spPr>
+          <a:xfrm>
+            <a:off x="2638520" y="573656"/>
+            <a:ext cx="242044" cy="367475"/>
+          </a:xfrm>
+          <a:prstGeom prst="downArrow">
+            <a:avLst/>
+          </a:prstGeom>
+          <a:noFill/>
+          <a:ln w="28575">
+            <a:solidFill>
+              <a:schemeClr val="tx1"/>
+            </a:solidFill>
+          </a:ln>
+        </p:spPr>
+        <p:style>
+          <a:lnRef idx="2">
+            <a:schemeClr val="accent1">
+              <a:shade val="50000"/>
+            </a:schemeClr>
+          </a:lnRef>
+          <a:fillRef idx="1">
+            <a:schemeClr val="accent1"/>
+          </a:fillRef>
+          <a:effectRef idx="0">
+            <a:schemeClr val="accent1"/>
+          </a:effectRef>
+          <a:fontRef idx="minor">
+            <a:schemeClr val="lt1"/>
+          </a:fontRef>
+        </p:style>
+        <p:txBody>
+          <a:bodyPr rtlCol="0" anchor="ctr"/>
+          <a:lstStyle/>
+          <a:p>
+            <a:pPr algn="ctr"/>
+            <a:endParaRPr kumimoji="1" lang="ja-JP" altLang="en-US">
+              <a:latin typeface="Meiryo UI" panose="020B0604030504040204" pitchFamily="50" charset="-128"/>
+              <a:ea typeface="Meiryo UI" panose="020B0604030504040204" pitchFamily="50" charset="-128"/>
+            </a:endParaRPr>
+          </a:p>
+        </p:txBody>
+      </p:sp>
+      <p:sp>
+        <p:nvSpPr>
+          <p:cNvPr id="21" name="下矢印 20"/>
+          <p:cNvSpPr/>
+          <p:nvPr/>
+        </p:nvSpPr>
+        <p:spPr>
+          <a:xfrm>
+            <a:off x="2638520" y="1730392"/>
+            <a:ext cx="242044" cy="367475"/>
+          </a:xfrm>
+          <a:prstGeom prst="downArrow">
+            <a:avLst/>
+          </a:prstGeom>
+          <a:noFill/>
+          <a:ln w="28575">
+            <a:solidFill>
+              <a:schemeClr val="tx1"/>
+            </a:solidFill>
+          </a:ln>
+        </p:spPr>
+        <p:style>
+          <a:lnRef idx="2">
+            <a:schemeClr val="accent1">
+              <a:shade val="50000"/>
+            </a:schemeClr>
+          </a:lnRef>
+          <a:fillRef idx="1">
+            <a:schemeClr val="accent1"/>
+          </a:fillRef>
+          <a:effectRef idx="0">
+            <a:schemeClr val="accent1"/>
+          </a:effectRef>
+          <a:fontRef idx="minor">
+            <a:schemeClr val="lt1"/>
+          </a:fontRef>
+        </p:style>
+        <p:txBody>
+          <a:bodyPr rtlCol="0" anchor="ctr"/>
+          <a:lstStyle/>
+          <a:p>
+            <a:pPr algn="ctr"/>
+            <a:endParaRPr kumimoji="1" lang="ja-JP" altLang="en-US">
+              <a:latin typeface="Meiryo UI" panose="020B0604030504040204" pitchFamily="50" charset="-128"/>
+              <a:ea typeface="Meiryo UI" panose="020B0604030504040204" pitchFamily="50" charset="-128"/>
+            </a:endParaRPr>
+          </a:p>
+        </p:txBody>
+      </p:sp>
+      <p:sp>
+        <p:nvSpPr>
+          <p:cNvPr id="32" name="テキスト ボックス 31"/>
+          <p:cNvSpPr txBox="1"/>
+          <p:nvPr/>
+        </p:nvSpPr>
+        <p:spPr>
+          <a:xfrm>
+            <a:off x="4605898" y="2914336"/>
+            <a:ext cx="950678" cy="369332"/>
+          </a:xfrm>
+          <a:prstGeom prst="rect">
+            <a:avLst/>
+          </a:prstGeom>
+          <a:noFill/>
+        </p:spPr>
+        <p:txBody>
+          <a:bodyPr wrap="square" rtlCol="0">
+            <a:spAutoFit/>
+          </a:bodyPr>
+          <a:lstStyle/>
+          <a:p>
+            <a:r>
+              <a:rPr lang="ja-JP" altLang="en-US" dirty="0">
+                <a:latin typeface="Meiryo UI" panose="020B0604030504040204" pitchFamily="50" charset="-128"/>
+                <a:ea typeface="Meiryo UI" panose="020B0604030504040204" pitchFamily="50" charset="-128"/>
+              </a:rPr>
+              <a:t>＜</a:t>
+            </a:r>
+            <a:r>
+              <a:rPr lang="ja-JP" altLang="en-US" dirty="0" smtClean="0">
+                <a:latin typeface="Meiryo UI" panose="020B0604030504040204" pitchFamily="50" charset="-128"/>
+                <a:ea typeface="Meiryo UI" panose="020B0604030504040204" pitchFamily="50" charset="-128"/>
+              </a:rPr>
+              <a:t>０</a:t>
+            </a:r>
+            <a:endParaRPr kumimoji="1" lang="ja-JP" altLang="en-US" dirty="0">
+              <a:latin typeface="Meiryo UI" panose="020B0604030504040204" pitchFamily="50" charset="-128"/>
+              <a:ea typeface="Meiryo UI" panose="020B0604030504040204" pitchFamily="50" charset="-128"/>
+            </a:endParaRPr>
+          </a:p>
+        </p:txBody>
+      </p:sp>
+      <p:sp>
+        <p:nvSpPr>
+          <p:cNvPr id="7" name="右矢印 6"/>
+          <p:cNvSpPr/>
+          <p:nvPr/>
+        </p:nvSpPr>
+        <p:spPr>
+          <a:xfrm>
+            <a:off x="4745029" y="3371910"/>
+            <a:ext cx="429355" cy="256924"/>
+          </a:xfrm>
+          <a:prstGeom prst="rightArrow">
+            <a:avLst/>
+          </a:prstGeom>
+          <a:noFill/>
+          <a:ln w="28575">
+            <a:solidFill>
+              <a:schemeClr val="tx1"/>
+            </a:solidFill>
+          </a:ln>
+        </p:spPr>
+        <p:style>
+          <a:lnRef idx="2">
+            <a:schemeClr val="accent1">
+              <a:shade val="50000"/>
+            </a:schemeClr>
+          </a:lnRef>
+          <a:fillRef idx="1">
+            <a:schemeClr val="accent1"/>
+          </a:fillRef>
+          <a:effectRef idx="0">
+            <a:schemeClr val="accent1"/>
+          </a:effectRef>
+          <a:fontRef idx="minor">
+            <a:schemeClr val="lt1"/>
+          </a:fontRef>
+        </p:style>
+        <p:txBody>
+          <a:bodyPr rtlCol="0" anchor="ctr"/>
+          <a:lstStyle/>
+          <a:p>
+            <a:pPr algn="ctr"/>
+            <a:endParaRPr kumimoji="1" lang="ja-JP" altLang="en-US">
+              <a:latin typeface="Meiryo UI" panose="020B0604030504040204" pitchFamily="50" charset="-128"/>
+              <a:ea typeface="Meiryo UI" panose="020B0604030504040204" pitchFamily="50" charset="-128"/>
+            </a:endParaRPr>
+          </a:p>
+        </p:txBody>
+      </p:sp>
+      <p:sp>
+        <p:nvSpPr>
+          <p:cNvPr id="34" name="フローチャート: 処理 33"/>
+          <p:cNvSpPr/>
+          <p:nvPr/>
+        </p:nvSpPr>
+        <p:spPr>
+          <a:xfrm>
+            <a:off x="2575217" y="4639450"/>
+            <a:ext cx="4428551" cy="504634"/>
+          </a:xfrm>
+          <a:prstGeom prst="flowChartProcess">
+            <a:avLst/>
+          </a:prstGeom>
+          <a:noFill/>
+          <a:ln w="28575">
+            <a:solidFill>
+              <a:schemeClr val="tx1"/>
+            </a:solidFill>
+          </a:ln>
+        </p:spPr>
+        <p:style>
+          <a:lnRef idx="2">
+            <a:schemeClr val="accent1">
+              <a:shade val="50000"/>
+            </a:schemeClr>
+          </a:lnRef>
+          <a:fillRef idx="1">
+            <a:schemeClr val="accent1"/>
+          </a:fillRef>
+          <a:effectRef idx="0">
+            <a:schemeClr val="accent1"/>
+          </a:effectRef>
+          <a:fontRef idx="minor">
+            <a:schemeClr val="lt1"/>
+          </a:fontRef>
+        </p:style>
+        <p:txBody>
+          <a:bodyPr rtlCol="0" anchor="ctr"/>
+          <a:lstStyle/>
+          <a:p>
+            <a:pPr algn="ctr"/>
+            <a:r>
+              <a:rPr lang="ja-JP" altLang="en-US" dirty="0" smtClean="0">
+                <a:solidFill>
+                  <a:schemeClr val="tx1"/>
+                </a:solidFill>
+                <a:latin typeface="Meiryo UI" panose="020B0604030504040204" pitchFamily="50" charset="-128"/>
+                <a:ea typeface="Meiryo UI" panose="020B0604030504040204" pitchFamily="50" charset="-128"/>
+              </a:rPr>
+              <a:t>商品を受け取る</a:t>
+            </a:r>
+            <a:endParaRPr lang="en-US" altLang="ja-JP" dirty="0" smtClean="0">
+              <a:solidFill>
+                <a:schemeClr val="tx1"/>
+              </a:solidFill>
+              <a:latin typeface="Meiryo UI" panose="020B0604030504040204" pitchFamily="50" charset="-128"/>
+              <a:ea typeface="Meiryo UI" panose="020B0604030504040204" pitchFamily="50" charset="-128"/>
+            </a:endParaRPr>
+          </a:p>
+        </p:txBody>
+      </p:sp>
+      <p:sp>
+        <p:nvSpPr>
+          <p:cNvPr id="24" name="フローチャート: 処理 23"/>
+          <p:cNvSpPr/>
+          <p:nvPr/>
+        </p:nvSpPr>
+        <p:spPr>
+          <a:xfrm>
+            <a:off x="1984627" y="2152854"/>
+            <a:ext cx="1390472" cy="318000"/>
+          </a:xfrm>
+          <a:prstGeom prst="flowChartProcess">
+            <a:avLst/>
+          </a:prstGeom>
+          <a:noFill/>
+          <a:ln w="28575">
+            <a:solidFill>
+              <a:schemeClr val="tx1"/>
+            </a:solidFill>
+          </a:ln>
+        </p:spPr>
+        <p:style>
+          <a:lnRef idx="2">
+            <a:schemeClr val="accent1">
+              <a:shade val="50000"/>
+            </a:schemeClr>
+          </a:lnRef>
+          <a:fillRef idx="1">
+            <a:schemeClr val="accent1"/>
+          </a:fillRef>
+          <a:effectRef idx="0">
+            <a:schemeClr val="accent1"/>
+          </a:effectRef>
+          <a:fontRef idx="minor">
+            <a:schemeClr val="lt1"/>
+          </a:fontRef>
+        </p:style>
+        <p:txBody>
+          <a:bodyPr rtlCol="0" anchor="ctr"/>
+          <a:lstStyle/>
+          <a:p>
+            <a:pPr algn="ctr"/>
+            <a:r>
+              <a:rPr lang="ja-JP" altLang="en-US" dirty="0" smtClean="0">
+                <a:solidFill>
+                  <a:schemeClr val="tx1"/>
+                </a:solidFill>
+                <a:latin typeface="Meiryo UI" panose="020B0604030504040204" pitchFamily="50" charset="-128"/>
+                <a:ea typeface="Meiryo UI" panose="020B0604030504040204" pitchFamily="50" charset="-128"/>
+              </a:rPr>
+              <a:t>お</a:t>
+            </a:r>
+            <a:r>
+              <a:rPr lang="ja-JP" altLang="en-US" dirty="0">
+                <a:solidFill>
+                  <a:schemeClr val="tx1"/>
+                </a:solidFill>
+                <a:latin typeface="Meiryo UI" panose="020B0604030504040204" pitchFamily="50" charset="-128"/>
+                <a:ea typeface="Meiryo UI" panose="020B0604030504040204" pitchFamily="50" charset="-128"/>
+              </a:rPr>
+              <a:t>金</a:t>
+            </a:r>
+            <a:r>
+              <a:rPr lang="ja-JP" altLang="en-US" dirty="0" smtClean="0">
+                <a:solidFill>
+                  <a:schemeClr val="tx1"/>
+                </a:solidFill>
+                <a:latin typeface="Meiryo UI" panose="020B0604030504040204" pitchFamily="50" charset="-128"/>
+                <a:ea typeface="Meiryo UI" panose="020B0604030504040204" pitchFamily="50" charset="-128"/>
+              </a:rPr>
+              <a:t>を投入</a:t>
+            </a:r>
+            <a:endParaRPr lang="en-US" altLang="ja-JP" dirty="0" smtClean="0">
+              <a:solidFill>
+                <a:schemeClr val="tx1"/>
+              </a:solidFill>
+              <a:latin typeface="Meiryo UI" panose="020B0604030504040204" pitchFamily="50" charset="-128"/>
+              <a:ea typeface="Meiryo UI" panose="020B0604030504040204" pitchFamily="50" charset="-128"/>
+            </a:endParaRPr>
+          </a:p>
+        </p:txBody>
+      </p:sp>
+      <p:sp>
+        <p:nvSpPr>
+          <p:cNvPr id="25" name="下矢印 24"/>
+          <p:cNvSpPr/>
+          <p:nvPr/>
+        </p:nvSpPr>
+        <p:spPr>
+          <a:xfrm>
+            <a:off x="2638520" y="2570630"/>
+            <a:ext cx="242044" cy="367475"/>
+          </a:xfrm>
+          <a:prstGeom prst="downArrow">
+            <a:avLst/>
+          </a:prstGeom>
+          <a:noFill/>
+          <a:ln w="28575">
+            <a:solidFill>
+              <a:schemeClr val="tx1"/>
+            </a:solidFill>
+          </a:ln>
+        </p:spPr>
+        <p:style>
+          <a:lnRef idx="2">
+            <a:schemeClr val="accent1">
+              <a:shade val="50000"/>
+            </a:schemeClr>
+          </a:lnRef>
+          <a:fillRef idx="1">
+            <a:schemeClr val="accent1"/>
+          </a:fillRef>
+          <a:effectRef idx="0">
+            <a:schemeClr val="accent1"/>
+          </a:effectRef>
+          <a:fontRef idx="minor">
+            <a:schemeClr val="lt1"/>
+          </a:fontRef>
+        </p:style>
+        <p:txBody>
+          <a:bodyPr rtlCol="0" anchor="ctr"/>
+          <a:lstStyle/>
+          <a:p>
+            <a:pPr algn="ctr"/>
+            <a:endParaRPr kumimoji="1" lang="ja-JP" altLang="en-US">
+              <a:latin typeface="Meiryo UI" panose="020B0604030504040204" pitchFamily="50" charset="-128"/>
+              <a:ea typeface="Meiryo UI" panose="020B0604030504040204" pitchFamily="50" charset="-128"/>
+            </a:endParaRPr>
+          </a:p>
+        </p:txBody>
+      </p:sp>
+      <p:sp>
+        <p:nvSpPr>
+          <p:cNvPr id="27" name="フローチャート: 判断 26"/>
+          <p:cNvSpPr/>
+          <p:nvPr/>
+        </p:nvSpPr>
+        <p:spPr>
+          <a:xfrm>
+            <a:off x="942592" y="3003216"/>
+            <a:ext cx="3663306" cy="994313"/>
+          </a:xfrm>
+          <a:prstGeom prst="flowChartDecision">
+            <a:avLst/>
+          </a:prstGeom>
+          <a:noFill/>
+          <a:ln w="28575">
+            <a:solidFill>
+              <a:schemeClr val="tx1"/>
+            </a:solidFill>
+          </a:ln>
+        </p:spPr>
+        <p:style>
+          <a:lnRef idx="2">
+            <a:schemeClr val="accent1">
+              <a:shade val="50000"/>
+            </a:schemeClr>
+          </a:lnRef>
+          <a:fillRef idx="1">
+            <a:schemeClr val="accent1"/>
+          </a:fillRef>
+          <a:effectRef idx="0">
+            <a:schemeClr val="accent1"/>
+          </a:effectRef>
+          <a:fontRef idx="minor">
+            <a:schemeClr val="lt1"/>
+          </a:fontRef>
+        </p:style>
+        <p:txBody>
+          <a:bodyPr rtlCol="0" anchor="ctr"/>
+          <a:lstStyle/>
+          <a:p>
+            <a:pPr algn="ctr"/>
+            <a:r>
+              <a:rPr lang="ja-JP" altLang="en-US" dirty="0" smtClean="0">
+                <a:solidFill>
+                  <a:schemeClr val="tx1"/>
+                </a:solidFill>
+                <a:latin typeface="Meiryo UI" panose="020B0604030504040204" pitchFamily="50" charset="-128"/>
+                <a:ea typeface="Meiryo UI" panose="020B0604030504040204" pitchFamily="50" charset="-128"/>
+              </a:rPr>
+              <a:t>投入された金額－</a:t>
+            </a:r>
+            <a:r>
+              <a:rPr lang="en-US" altLang="ja-JP" dirty="0" smtClean="0">
+                <a:solidFill>
+                  <a:schemeClr val="tx1"/>
+                </a:solidFill>
+                <a:latin typeface="Meiryo UI" panose="020B0604030504040204" pitchFamily="50" charset="-128"/>
+                <a:ea typeface="Meiryo UI" panose="020B0604030504040204" pitchFamily="50" charset="-128"/>
+              </a:rPr>
+              <a:t>X</a:t>
+            </a:r>
+            <a:r>
+              <a:rPr lang="ja-JP" altLang="en-US" dirty="0" smtClean="0">
+                <a:solidFill>
+                  <a:schemeClr val="tx1"/>
+                </a:solidFill>
+                <a:latin typeface="Meiryo UI" panose="020B0604030504040204" pitchFamily="50" charset="-128"/>
+                <a:ea typeface="Meiryo UI" panose="020B0604030504040204" pitchFamily="50" charset="-128"/>
+              </a:rPr>
+              <a:t>の値段</a:t>
+            </a:r>
+            <a:endParaRPr lang="en-US" altLang="ja-JP" dirty="0" smtClean="0">
+              <a:solidFill>
+                <a:schemeClr val="tx1"/>
+              </a:solidFill>
+              <a:latin typeface="Meiryo UI" panose="020B0604030504040204" pitchFamily="50" charset="-128"/>
+              <a:ea typeface="Meiryo UI" panose="020B0604030504040204" pitchFamily="50" charset="-128"/>
+            </a:endParaRPr>
+          </a:p>
+        </p:txBody>
+      </p:sp>
+      <p:sp>
+        <p:nvSpPr>
+          <p:cNvPr id="28" name="下矢印 27"/>
+          <p:cNvSpPr/>
+          <p:nvPr/>
+        </p:nvSpPr>
+        <p:spPr>
+          <a:xfrm>
+            <a:off x="5840088" y="4043941"/>
+            <a:ext cx="242044" cy="367475"/>
+          </a:xfrm>
+          <a:prstGeom prst="downArrow">
+            <a:avLst/>
+          </a:prstGeom>
+          <a:noFill/>
+          <a:ln w="28575">
+            <a:solidFill>
+              <a:schemeClr val="tx1"/>
+            </a:solidFill>
+          </a:ln>
+        </p:spPr>
+        <p:style>
+          <a:lnRef idx="2">
+            <a:schemeClr val="accent1">
+              <a:shade val="50000"/>
+            </a:schemeClr>
+          </a:lnRef>
+          <a:fillRef idx="1">
+            <a:schemeClr val="accent1"/>
+          </a:fillRef>
+          <a:effectRef idx="0">
+            <a:schemeClr val="accent1"/>
+          </a:effectRef>
+          <a:fontRef idx="minor">
+            <a:schemeClr val="lt1"/>
+          </a:fontRef>
+        </p:style>
+        <p:txBody>
+          <a:bodyPr rtlCol="0" anchor="ctr"/>
+          <a:lstStyle/>
+          <a:p>
+            <a:pPr algn="ctr"/>
+            <a:endParaRPr kumimoji="1" lang="ja-JP" altLang="en-US">
+              <a:latin typeface="Meiryo UI" panose="020B0604030504040204" pitchFamily="50" charset="-128"/>
+              <a:ea typeface="Meiryo UI" panose="020B0604030504040204" pitchFamily="50" charset="-128"/>
+            </a:endParaRPr>
+          </a:p>
+        </p:txBody>
+      </p:sp>
+      <p:sp>
+        <p:nvSpPr>
+          <p:cNvPr id="29" name="下矢印 28"/>
+          <p:cNvSpPr/>
+          <p:nvPr/>
+        </p:nvSpPr>
+        <p:spPr>
+          <a:xfrm>
+            <a:off x="2653223" y="4134752"/>
+            <a:ext cx="242044" cy="367475"/>
+          </a:xfrm>
+          <a:prstGeom prst="downArrow">
+            <a:avLst/>
+          </a:prstGeom>
+          <a:noFill/>
+          <a:ln w="28575">
+            <a:solidFill>
+              <a:schemeClr val="tx1"/>
+            </a:solidFill>
+          </a:ln>
+        </p:spPr>
+        <p:style>
+          <a:lnRef idx="2">
+            <a:schemeClr val="accent1">
+              <a:shade val="50000"/>
+            </a:schemeClr>
+          </a:lnRef>
+          <a:fillRef idx="1">
+            <a:schemeClr val="accent1"/>
+          </a:fillRef>
+          <a:effectRef idx="0">
+            <a:schemeClr val="accent1"/>
+          </a:effectRef>
+          <a:fontRef idx="minor">
+            <a:schemeClr val="lt1"/>
+          </a:fontRef>
+        </p:style>
+        <p:txBody>
+          <a:bodyPr rtlCol="0" anchor="ctr"/>
+          <a:lstStyle/>
+          <a:p>
+            <a:pPr algn="ctr"/>
+            <a:endParaRPr kumimoji="1" lang="ja-JP" altLang="en-US">
+              <a:latin typeface="Meiryo UI" panose="020B0604030504040204" pitchFamily="50" charset="-128"/>
+              <a:ea typeface="Meiryo UI" panose="020B0604030504040204" pitchFamily="50" charset="-128"/>
+            </a:endParaRPr>
+          </a:p>
+        </p:txBody>
+      </p:sp>
+      <p:sp>
+        <p:nvSpPr>
+          <p:cNvPr id="30" name="テキスト ボックス 29"/>
+          <p:cNvSpPr txBox="1"/>
+          <p:nvPr/>
+        </p:nvSpPr>
+        <p:spPr>
+          <a:xfrm>
+            <a:off x="2901151" y="4061012"/>
+            <a:ext cx="660057" cy="369332"/>
+          </a:xfrm>
+          <a:prstGeom prst="rect">
+            <a:avLst/>
+          </a:prstGeom>
+          <a:noFill/>
+        </p:spPr>
+        <p:txBody>
+          <a:bodyPr wrap="square" rtlCol="0">
+            <a:spAutoFit/>
+          </a:bodyPr>
+          <a:lstStyle/>
+          <a:p>
+            <a:r>
+              <a:rPr lang="ja-JP" altLang="en-US" dirty="0" smtClean="0">
+                <a:latin typeface="Meiryo UI" panose="020B0604030504040204" pitchFamily="50" charset="-128"/>
+                <a:ea typeface="Meiryo UI" panose="020B0604030504040204" pitchFamily="50" charset="-128"/>
+              </a:rPr>
+              <a:t>＝</a:t>
+            </a:r>
+            <a:r>
+              <a:rPr lang="en-US" altLang="ja-JP" dirty="0" smtClean="0">
+                <a:latin typeface="Meiryo UI" panose="020B0604030504040204" pitchFamily="50" charset="-128"/>
+                <a:ea typeface="Meiryo UI" panose="020B0604030504040204" pitchFamily="50" charset="-128"/>
+              </a:rPr>
+              <a:t>0</a:t>
+            </a:r>
+            <a:endParaRPr kumimoji="1" lang="ja-JP" altLang="en-US" dirty="0">
+              <a:latin typeface="Meiryo UI" panose="020B0604030504040204" pitchFamily="50" charset="-128"/>
+              <a:ea typeface="Meiryo UI" panose="020B0604030504040204" pitchFamily="50" charset="-128"/>
+            </a:endParaRPr>
+          </a:p>
+        </p:txBody>
+      </p:sp>
+      <p:sp>
+        <p:nvSpPr>
+          <p:cNvPr id="23" name="フローチャート: 端子 22"/>
+          <p:cNvSpPr/>
+          <p:nvPr/>
+        </p:nvSpPr>
+        <p:spPr>
+          <a:xfrm>
+            <a:off x="4376695" y="5749001"/>
+            <a:ext cx="825594" cy="408365"/>
+          </a:xfrm>
+          <a:prstGeom prst="flowChartTerminator">
+            <a:avLst/>
+          </a:prstGeom>
+          <a:noFill/>
+          <a:ln w="28575">
+            <a:solidFill>
+              <a:schemeClr val="tx1"/>
+            </a:solidFill>
+          </a:ln>
+        </p:spPr>
+        <p:style>
+          <a:lnRef idx="2">
+            <a:schemeClr val="accent1">
+              <a:shade val="50000"/>
+            </a:schemeClr>
+          </a:lnRef>
+          <a:fillRef idx="1">
+            <a:schemeClr val="accent1"/>
+          </a:fillRef>
+          <a:effectRef idx="0">
+            <a:schemeClr val="accent1"/>
+          </a:effectRef>
+          <a:fontRef idx="minor">
+            <a:schemeClr val="lt1"/>
+          </a:fontRef>
+        </p:style>
+        <p:txBody>
+          <a:bodyPr rtlCol="0" anchor="ctr"/>
+          <a:lstStyle/>
+          <a:p>
+            <a:pPr algn="ctr"/>
+            <a:r>
+              <a:rPr lang="en-US" altLang="ja-JP" dirty="0">
+                <a:solidFill>
+                  <a:schemeClr val="tx1"/>
+                </a:solidFill>
+                <a:latin typeface="Meiryo UI" panose="020B0604030504040204" pitchFamily="50" charset="-128"/>
+                <a:ea typeface="Meiryo UI" panose="020B0604030504040204" pitchFamily="50" charset="-128"/>
+              </a:rPr>
+              <a:t>e</a:t>
+            </a:r>
+            <a:r>
+              <a:rPr lang="en-US" altLang="ja-JP" dirty="0" smtClean="0">
+                <a:solidFill>
+                  <a:schemeClr val="tx1"/>
+                </a:solidFill>
+                <a:latin typeface="Meiryo UI" panose="020B0604030504040204" pitchFamily="50" charset="-128"/>
+                <a:ea typeface="Meiryo UI" panose="020B0604030504040204" pitchFamily="50" charset="-128"/>
+              </a:rPr>
+              <a:t>nd</a:t>
+            </a:r>
+            <a:endParaRPr kumimoji="1" lang="ja-JP" altLang="en-US" dirty="0">
+              <a:solidFill>
+                <a:schemeClr val="tx1"/>
+              </a:solidFill>
+              <a:latin typeface="Meiryo UI" panose="020B0604030504040204" pitchFamily="50" charset="-128"/>
+              <a:ea typeface="Meiryo UI" panose="020B0604030504040204" pitchFamily="50" charset="-128"/>
+            </a:endParaRPr>
+          </a:p>
+        </p:txBody>
+      </p:sp>
+      <p:sp>
+        <p:nvSpPr>
+          <p:cNvPr id="26" name="フローチャート: データ 25"/>
+          <p:cNvSpPr/>
+          <p:nvPr/>
+        </p:nvSpPr>
+        <p:spPr>
+          <a:xfrm>
+            <a:off x="1330104" y="1030855"/>
+            <a:ext cx="2725968" cy="654748"/>
+          </a:xfrm>
+          <a:prstGeom prst="flowChartInputOutput">
+            <a:avLst/>
+          </a:prstGeom>
+          <a:noFill/>
+          <a:ln w="28575">
+            <a:solidFill>
+              <a:schemeClr val="tx1"/>
+            </a:solidFill>
+          </a:ln>
+        </p:spPr>
+        <p:style>
+          <a:lnRef idx="2">
+            <a:schemeClr val="accent1">
+              <a:shade val="50000"/>
+            </a:schemeClr>
+          </a:lnRef>
+          <a:fillRef idx="1">
+            <a:schemeClr val="accent1"/>
+          </a:fillRef>
+          <a:effectRef idx="0">
+            <a:schemeClr val="accent1"/>
+          </a:effectRef>
+          <a:fontRef idx="minor">
+            <a:schemeClr val="lt1"/>
+          </a:fontRef>
+        </p:style>
+        <p:txBody>
+          <a:bodyPr rtlCol="0" anchor="ctr"/>
+          <a:lstStyle/>
+          <a:p>
+            <a:pPr algn="ctr"/>
+            <a:r>
+              <a:rPr lang="ja-JP" altLang="en-US" dirty="0" smtClean="0">
+                <a:solidFill>
+                  <a:schemeClr val="tx1"/>
+                </a:solidFill>
+                <a:latin typeface="Meiryo UI" panose="020B0604030504040204" pitchFamily="50" charset="-128"/>
+                <a:ea typeface="Meiryo UI" panose="020B0604030504040204" pitchFamily="50" charset="-128"/>
+              </a:rPr>
+              <a:t>買いたい商品</a:t>
+            </a:r>
+            <a:r>
+              <a:rPr lang="en-US" altLang="ja-JP" dirty="0" smtClean="0">
+                <a:solidFill>
+                  <a:schemeClr val="tx1"/>
+                </a:solidFill>
+                <a:latin typeface="Meiryo UI" panose="020B0604030504040204" pitchFamily="50" charset="-128"/>
+                <a:ea typeface="Meiryo UI" panose="020B0604030504040204" pitchFamily="50" charset="-128"/>
+              </a:rPr>
+              <a:t>X</a:t>
+            </a:r>
+            <a:r>
+              <a:rPr lang="ja-JP" altLang="en-US" dirty="0" smtClean="0">
+                <a:solidFill>
+                  <a:schemeClr val="tx1"/>
+                </a:solidFill>
+                <a:latin typeface="Meiryo UI" panose="020B0604030504040204" pitchFamily="50" charset="-128"/>
+                <a:ea typeface="Meiryo UI" panose="020B0604030504040204" pitchFamily="50" charset="-128"/>
+              </a:rPr>
+              <a:t>を選択</a:t>
+            </a:r>
+            <a:endParaRPr lang="en-US" altLang="ja-JP" dirty="0" smtClean="0">
+              <a:solidFill>
+                <a:schemeClr val="tx1"/>
+              </a:solidFill>
+              <a:latin typeface="Meiryo UI" panose="020B0604030504040204" pitchFamily="50" charset="-128"/>
+              <a:ea typeface="Meiryo UI" panose="020B0604030504040204" pitchFamily="50" charset="-128"/>
+            </a:endParaRPr>
+          </a:p>
+        </p:txBody>
+      </p:sp>
+      <p:sp>
+        <p:nvSpPr>
+          <p:cNvPr id="35" name="フローチャート: 処理 34"/>
+          <p:cNvSpPr/>
+          <p:nvPr/>
+        </p:nvSpPr>
+        <p:spPr>
+          <a:xfrm>
+            <a:off x="5352864" y="3186323"/>
+            <a:ext cx="1458536" cy="504634"/>
+          </a:xfrm>
+          <a:prstGeom prst="flowChartProcess">
+            <a:avLst/>
+          </a:prstGeom>
+          <a:noFill/>
+          <a:ln w="28575">
+            <a:solidFill>
+              <a:schemeClr val="tx1"/>
+            </a:solidFill>
+          </a:ln>
+        </p:spPr>
+        <p:style>
+          <a:lnRef idx="2">
+            <a:schemeClr val="accent1">
+              <a:shade val="50000"/>
+            </a:schemeClr>
+          </a:lnRef>
+          <a:fillRef idx="1">
+            <a:schemeClr val="accent1"/>
+          </a:fillRef>
+          <a:effectRef idx="0">
+            <a:schemeClr val="accent1"/>
+          </a:effectRef>
+          <a:fontRef idx="minor">
+            <a:schemeClr val="lt1"/>
+          </a:fontRef>
+        </p:style>
+        <p:txBody>
+          <a:bodyPr rtlCol="0" anchor="ctr"/>
+          <a:lstStyle/>
+          <a:p>
+            <a:pPr algn="ctr"/>
+            <a:r>
+              <a:rPr lang="ja-JP" altLang="en-US" dirty="0" smtClean="0">
+                <a:solidFill>
+                  <a:schemeClr val="tx1"/>
+                </a:solidFill>
+                <a:latin typeface="Meiryo UI" panose="020B0604030504040204" pitchFamily="50" charset="-128"/>
+                <a:ea typeface="Meiryo UI" panose="020B0604030504040204" pitchFamily="50" charset="-128"/>
+              </a:rPr>
+              <a:t>お釣りが出る</a:t>
+            </a:r>
+            <a:endParaRPr lang="en-US" altLang="ja-JP" dirty="0" smtClean="0">
+              <a:solidFill>
+                <a:schemeClr val="tx1"/>
+              </a:solidFill>
+              <a:latin typeface="Meiryo UI" panose="020B0604030504040204" pitchFamily="50" charset="-128"/>
+              <a:ea typeface="Meiryo UI" panose="020B0604030504040204" pitchFamily="50" charset="-128"/>
+            </a:endParaRPr>
+          </a:p>
+        </p:txBody>
+      </p:sp>
+      <p:sp>
+        <p:nvSpPr>
+          <p:cNvPr id="36" name="下矢印 35"/>
+          <p:cNvSpPr/>
+          <p:nvPr/>
+        </p:nvSpPr>
+        <p:spPr>
+          <a:xfrm>
+            <a:off x="4668470" y="5235317"/>
+            <a:ext cx="242044" cy="367475"/>
+          </a:xfrm>
+          <a:prstGeom prst="downArrow">
+            <a:avLst/>
+          </a:prstGeom>
+          <a:noFill/>
+          <a:ln w="28575">
+            <a:solidFill>
+              <a:schemeClr val="tx1"/>
+            </a:solidFill>
+          </a:ln>
+        </p:spPr>
+        <p:style>
+          <a:lnRef idx="2">
+            <a:schemeClr val="accent1">
+              <a:shade val="50000"/>
+            </a:schemeClr>
+          </a:lnRef>
+          <a:fillRef idx="1">
+            <a:schemeClr val="accent1"/>
+          </a:fillRef>
+          <a:effectRef idx="0">
+            <a:schemeClr val="accent1"/>
+          </a:effectRef>
+          <a:fontRef idx="minor">
+            <a:schemeClr val="lt1"/>
+          </a:fontRef>
+        </p:style>
+        <p:txBody>
+          <a:bodyPr rtlCol="0" anchor="ctr"/>
+          <a:lstStyle/>
+          <a:p>
+            <a:pPr algn="ctr"/>
+            <a:endParaRPr kumimoji="1" lang="ja-JP" altLang="en-US">
+              <a:latin typeface="Meiryo UI" panose="020B0604030504040204" pitchFamily="50" charset="-128"/>
+              <a:ea typeface="Meiryo UI" panose="020B0604030504040204" pitchFamily="50" charset="-128"/>
+            </a:endParaRPr>
+          </a:p>
+        </p:txBody>
+      </p:sp>
+    </p:spTree>
+    <p:extLst>
+      <p:ext uri="{BB962C8B-B14F-4D97-AF65-F5344CB8AC3E}">
+        <p14:creationId xmlns:p14="http://schemas.microsoft.com/office/powerpoint/2010/main" val="3180727274"/>
       </p:ext>
     </p:extLst>
   </p:cSld>
